--- a/project03 화면설계서/0221 발표용 project03 - 화면 설계서 - 현태.pptx
+++ b/project03 화면설계서/0221 발표용 project03 - 화면 설계서 - 현태.pptx
@@ -116,7 +116,7 @@
   </p:defaultTextStyle>
   <p:extLst>
     <p:ext uri="{EFAFB233-063F-42B5-8137-9DF3F51BA10A}">
-      <p15:sldGuideLst xmlns="" xmlns:p15="http://schemas.microsoft.com/office/powerpoint/2012/main">
+      <p15:sldGuideLst xmlns:p15="http://schemas.microsoft.com/office/powerpoint/2012/main" xmlns="">
         <p15:guide id="1" orient="horz" pos="2160">
           <p15:clr>
             <a:srgbClr val="A4A3A4"/>
@@ -6346,14 +6346,14 @@
                 <a:gridCol w="1443550">
                   <a:extLst>
                     <a:ext uri="{9D8B030D-6E8A-4147-A177-3AD203B41FA5}">
-                      <a16:colId xmlns="" xmlns:a16="http://schemas.microsoft.com/office/drawing/2014/main" val="20000"/>
+                      <a16:colId xmlns:a16="http://schemas.microsoft.com/office/drawing/2014/main" xmlns="" val="20000"/>
                     </a:ext>
                   </a:extLst>
                 </a:gridCol>
                 <a:gridCol w="2680550">
                   <a:extLst>
                     <a:ext uri="{9D8B030D-6E8A-4147-A177-3AD203B41FA5}">
-                      <a16:colId xmlns="" xmlns:a16="http://schemas.microsoft.com/office/drawing/2014/main" val="20001"/>
+                      <a16:colId xmlns:a16="http://schemas.microsoft.com/office/drawing/2014/main" xmlns="" val="20001"/>
                     </a:ext>
                   </a:extLst>
                 </a:gridCol>
@@ -6519,7 +6519,7 @@
                 </a:tc>
                 <a:extLst>
                   <a:ext uri="{0D108BD9-81ED-4DB2-BD59-A6C34878D82A}">
-                    <a16:rowId xmlns="" xmlns:a16="http://schemas.microsoft.com/office/drawing/2014/main" val="10000"/>
+                    <a16:rowId xmlns:a16="http://schemas.microsoft.com/office/drawing/2014/main" xmlns="" val="10000"/>
                   </a:ext>
                 </a:extLst>
               </a:tr>
@@ -6697,7 +6697,7 @@
                 </a:tc>
                 <a:extLst>
                   <a:ext uri="{0D108BD9-81ED-4DB2-BD59-A6C34878D82A}">
-                    <a16:rowId xmlns="" xmlns:a16="http://schemas.microsoft.com/office/drawing/2014/main" val="10001"/>
+                    <a16:rowId xmlns:a16="http://schemas.microsoft.com/office/drawing/2014/main" xmlns="" val="10001"/>
                   </a:ext>
                 </a:extLst>
               </a:tr>
@@ -6785,7 +6785,7 @@
                 </a:tc>
                 <a:extLst>
                   <a:ext uri="{0D108BD9-81ED-4DB2-BD59-A6C34878D82A}">
-                    <a16:rowId xmlns="" xmlns:a16="http://schemas.microsoft.com/office/drawing/2014/main" val="10002"/>
+                    <a16:rowId xmlns:a16="http://schemas.microsoft.com/office/drawing/2014/main" xmlns="" val="10002"/>
                   </a:ext>
                 </a:extLst>
               </a:tr>
@@ -6813,14 +6813,14 @@
                 <a:gridCol w="1407750">
                   <a:extLst>
                     <a:ext uri="{9D8B030D-6E8A-4147-A177-3AD203B41FA5}">
-                      <a16:colId xmlns="" xmlns:a16="http://schemas.microsoft.com/office/drawing/2014/main" val="20000"/>
+                      <a16:colId xmlns:a16="http://schemas.microsoft.com/office/drawing/2014/main" xmlns="" val="20000"/>
                     </a:ext>
                   </a:extLst>
                 </a:gridCol>
                 <a:gridCol w="1407750">
                   <a:extLst>
                     <a:ext uri="{9D8B030D-6E8A-4147-A177-3AD203B41FA5}">
-                      <a16:colId xmlns="" xmlns:a16="http://schemas.microsoft.com/office/drawing/2014/main" val="20001"/>
+                      <a16:colId xmlns:a16="http://schemas.microsoft.com/office/drawing/2014/main" xmlns="" val="20001"/>
                     </a:ext>
                   </a:extLst>
                 </a:gridCol>
@@ -6978,7 +6978,7 @@
                 </a:tc>
                 <a:extLst>
                   <a:ext uri="{0D108BD9-81ED-4DB2-BD59-A6C34878D82A}">
-                    <a16:rowId xmlns="" xmlns:a16="http://schemas.microsoft.com/office/drawing/2014/main" val="10000"/>
+                    <a16:rowId xmlns:a16="http://schemas.microsoft.com/office/drawing/2014/main" xmlns="" val="10000"/>
                   </a:ext>
                 </a:extLst>
               </a:tr>
@@ -7006,14 +7006,14 @@
                 <a:gridCol w="1407750">
                   <a:extLst>
                     <a:ext uri="{9D8B030D-6E8A-4147-A177-3AD203B41FA5}">
-                      <a16:colId xmlns="" xmlns:a16="http://schemas.microsoft.com/office/drawing/2014/main" val="20000"/>
+                      <a16:colId xmlns:a16="http://schemas.microsoft.com/office/drawing/2014/main" xmlns="" val="20000"/>
                     </a:ext>
                   </a:extLst>
                 </a:gridCol>
                 <a:gridCol w="1407750">
                   <a:extLst>
                     <a:ext uri="{9D8B030D-6E8A-4147-A177-3AD203B41FA5}">
-                      <a16:colId xmlns="" xmlns:a16="http://schemas.microsoft.com/office/drawing/2014/main" val="20001"/>
+                      <a16:colId xmlns:a16="http://schemas.microsoft.com/office/drawing/2014/main" xmlns="" val="20001"/>
                     </a:ext>
                   </a:extLst>
                 </a:gridCol>
@@ -7171,7 +7171,7 @@
                 </a:tc>
                 <a:extLst>
                   <a:ext uri="{0D108BD9-81ED-4DB2-BD59-A6C34878D82A}">
-                    <a16:rowId xmlns="" xmlns:a16="http://schemas.microsoft.com/office/drawing/2014/main" val="10000"/>
+                    <a16:rowId xmlns:a16="http://schemas.microsoft.com/office/drawing/2014/main" xmlns="" val="10000"/>
                   </a:ext>
                 </a:extLst>
               </a:tr>
@@ -7205,14 +7205,14 @@
                 <a:gridCol w="382900">
                   <a:extLst>
                     <a:ext uri="{9D8B030D-6E8A-4147-A177-3AD203B41FA5}">
-                      <a16:colId xmlns="" xmlns:a16="http://schemas.microsoft.com/office/drawing/2014/main" val="20000"/>
+                      <a16:colId xmlns:a16="http://schemas.microsoft.com/office/drawing/2014/main" xmlns="" val="20000"/>
                     </a:ext>
                   </a:extLst>
                 </a:gridCol>
                 <a:gridCol w="3149100">
                   <a:extLst>
                     <a:ext uri="{9D8B030D-6E8A-4147-A177-3AD203B41FA5}">
-                      <a16:colId xmlns="" xmlns:a16="http://schemas.microsoft.com/office/drawing/2014/main" val="20001"/>
+                      <a16:colId xmlns:a16="http://schemas.microsoft.com/office/drawing/2014/main" xmlns="" val="20001"/>
                     </a:ext>
                   </a:extLst>
                 </a:gridCol>
@@ -7370,7 +7370,7 @@
                 </a:tc>
                 <a:extLst>
                   <a:ext uri="{0D108BD9-81ED-4DB2-BD59-A6C34878D82A}">
-                    <a16:rowId xmlns="" xmlns:a16="http://schemas.microsoft.com/office/drawing/2014/main" val="10000"/>
+                    <a16:rowId xmlns:a16="http://schemas.microsoft.com/office/drawing/2014/main" xmlns="" val="10000"/>
                   </a:ext>
                 </a:extLst>
               </a:tr>
@@ -7553,7 +7553,7 @@
                 </a:tc>
                 <a:extLst>
                   <a:ext uri="{0D108BD9-81ED-4DB2-BD59-A6C34878D82A}">
-                    <a16:rowId xmlns="" xmlns:a16="http://schemas.microsoft.com/office/drawing/2014/main" val="10001"/>
+                    <a16:rowId xmlns:a16="http://schemas.microsoft.com/office/drawing/2014/main" xmlns="" val="10001"/>
                   </a:ext>
                 </a:extLst>
               </a:tr>
@@ -7948,7 +7948,7 @@
                 </a:tc>
                 <a:extLst>
                   <a:ext uri="{0D108BD9-81ED-4DB2-BD59-A6C34878D82A}">
-                    <a16:rowId xmlns="" xmlns:a16="http://schemas.microsoft.com/office/drawing/2014/main" val="10002"/>
+                    <a16:rowId xmlns:a16="http://schemas.microsoft.com/office/drawing/2014/main" xmlns="" val="10002"/>
                   </a:ext>
                 </a:extLst>
               </a:tr>
@@ -8117,7 +8117,7 @@
                 </a:tc>
                 <a:extLst>
                   <a:ext uri="{0D108BD9-81ED-4DB2-BD59-A6C34878D82A}">
-                    <a16:rowId xmlns="" xmlns:a16="http://schemas.microsoft.com/office/drawing/2014/main" val="10003"/>
+                    <a16:rowId xmlns:a16="http://schemas.microsoft.com/office/drawing/2014/main" xmlns="" val="10003"/>
                   </a:ext>
                 </a:extLst>
               </a:tr>
@@ -8301,7 +8301,7 @@
                 </a:tc>
                 <a:extLst>
                   <a:ext uri="{0D108BD9-81ED-4DB2-BD59-A6C34878D82A}">
-                    <a16:rowId xmlns="" xmlns:a16="http://schemas.microsoft.com/office/drawing/2014/main" val="10004"/>
+                    <a16:rowId xmlns:a16="http://schemas.microsoft.com/office/drawing/2014/main" xmlns="" val="10004"/>
                   </a:ext>
                 </a:extLst>
               </a:tr>
@@ -8503,7 +8503,7 @@
                 </a:tc>
                 <a:extLst>
                   <a:ext uri="{0D108BD9-81ED-4DB2-BD59-A6C34878D82A}">
-                    <a16:rowId xmlns="" xmlns:a16="http://schemas.microsoft.com/office/drawing/2014/main" val="10005"/>
+                    <a16:rowId xmlns:a16="http://schemas.microsoft.com/office/drawing/2014/main" xmlns="" val="10005"/>
                   </a:ext>
                 </a:extLst>
               </a:tr>
@@ -8650,7 +8650,7 @@
                 </a:tc>
                 <a:extLst>
                   <a:ext uri="{0D108BD9-81ED-4DB2-BD59-A6C34878D82A}">
-                    <a16:rowId xmlns="" xmlns:a16="http://schemas.microsoft.com/office/drawing/2014/main" val="10006"/>
+                    <a16:rowId xmlns:a16="http://schemas.microsoft.com/office/drawing/2014/main" xmlns="" val="10006"/>
                   </a:ext>
                 </a:extLst>
               </a:tr>
@@ -8813,7 +8813,7 @@
             <p:cNvPr id="6" name="그룹 5">
               <a:extLst>
                 <a:ext uri="{FF2B5EF4-FFF2-40B4-BE49-F238E27FC236}">
-                  <a16:creationId xmlns="" xmlns:a16="http://schemas.microsoft.com/office/drawing/2014/main" id="{1F85C6AD-0751-4B6C-A5F4-516AC12DF4CE}"/>
+                  <a16:creationId xmlns:a16="http://schemas.microsoft.com/office/drawing/2014/main" xmlns="" id="{1F85C6AD-0751-4B6C-A5F4-516AC12DF4CE}"/>
                 </a:ext>
               </a:extLst>
             </p:cNvPr>
@@ -8893,7 +8893,7 @@
               <p:cNvPr id="22" name="직선 화살표 연결선 21">
                 <a:extLst>
                   <a:ext uri="{FF2B5EF4-FFF2-40B4-BE49-F238E27FC236}">
-                    <a16:creationId xmlns="" xmlns:a16="http://schemas.microsoft.com/office/drawing/2014/main" id="{CCEC4258-E719-40F7-A7AD-240A09AA73A7}"/>
+                    <a16:creationId xmlns:a16="http://schemas.microsoft.com/office/drawing/2014/main" xmlns="" id="{CCEC4258-E719-40F7-A7AD-240A09AA73A7}"/>
                   </a:ext>
                 </a:extLst>
               </p:cNvPr>
@@ -8936,7 +8936,7 @@
               <p:cNvPr id="4" name="Google Shape;209;g7c553259d1_0_81">
                 <a:extLst>
                   <a:ext uri="{FF2B5EF4-FFF2-40B4-BE49-F238E27FC236}">
-                    <a16:creationId xmlns="" xmlns:a16="http://schemas.microsoft.com/office/drawing/2014/main" id="{F3871749-3F10-4D5D-96D4-17708C10FB40}"/>
+                    <a16:creationId xmlns:a16="http://schemas.microsoft.com/office/drawing/2014/main" xmlns="" id="{F3871749-3F10-4D5D-96D4-17708C10FB40}"/>
                   </a:ext>
                 </a:extLst>
               </p:cNvPr>
@@ -8990,7 +8990,7 @@
               <p:cNvPr id="25" name="Google Shape;209;g7c553259d1_0_81">
                 <a:extLst>
                   <a:ext uri="{FF2B5EF4-FFF2-40B4-BE49-F238E27FC236}">
-                    <a16:creationId xmlns="" xmlns:a16="http://schemas.microsoft.com/office/drawing/2014/main" id="{B60571CA-13FA-4AA2-9369-C6414EF858EC}"/>
+                    <a16:creationId xmlns:a16="http://schemas.microsoft.com/office/drawing/2014/main" xmlns="" id="{B60571CA-13FA-4AA2-9369-C6414EF858EC}"/>
                   </a:ext>
                 </a:extLst>
               </p:cNvPr>
@@ -9044,7 +9044,7 @@
               <p:cNvPr id="5" name="타원 4">
                 <a:extLst>
                   <a:ext uri="{FF2B5EF4-FFF2-40B4-BE49-F238E27FC236}">
-                    <a16:creationId xmlns="" xmlns:a16="http://schemas.microsoft.com/office/drawing/2014/main" id="{F94C7356-D7A1-42AC-A4E1-2DCD8803BE02}"/>
+                    <a16:creationId xmlns:a16="http://schemas.microsoft.com/office/drawing/2014/main" xmlns="" id="{F94C7356-D7A1-42AC-A4E1-2DCD8803BE02}"/>
                   </a:ext>
                 </a:extLst>
               </p:cNvPr>
@@ -9104,7 +9104,7 @@
               <p:cNvPr id="27" name="타원 26">
                 <a:extLst>
                   <a:ext uri="{FF2B5EF4-FFF2-40B4-BE49-F238E27FC236}">
-                    <a16:creationId xmlns="" xmlns:a16="http://schemas.microsoft.com/office/drawing/2014/main" id="{115563C6-886D-44D9-B984-839C5DACBEFC}"/>
+                    <a16:creationId xmlns:a16="http://schemas.microsoft.com/office/drawing/2014/main" xmlns="" id="{115563C6-886D-44D9-B984-839C5DACBEFC}"/>
                   </a:ext>
                 </a:extLst>
               </p:cNvPr>
@@ -9164,7 +9164,7 @@
               <p:cNvPr id="28" name="타원 27">
                 <a:extLst>
                   <a:ext uri="{FF2B5EF4-FFF2-40B4-BE49-F238E27FC236}">
-                    <a16:creationId xmlns="" xmlns:a16="http://schemas.microsoft.com/office/drawing/2014/main" id="{1B6D3888-4CA7-46A5-8E1D-81B73F59FF1F}"/>
+                    <a16:creationId xmlns:a16="http://schemas.microsoft.com/office/drawing/2014/main" xmlns="" id="{1B6D3888-4CA7-46A5-8E1D-81B73F59FF1F}"/>
                   </a:ext>
                 </a:extLst>
               </p:cNvPr>
@@ -9224,7 +9224,7 @@
               <p:cNvPr id="29" name="타원 28">
                 <a:extLst>
                   <a:ext uri="{FF2B5EF4-FFF2-40B4-BE49-F238E27FC236}">
-                    <a16:creationId xmlns="" xmlns:a16="http://schemas.microsoft.com/office/drawing/2014/main" id="{7C815D61-07C6-4627-90E1-2EB4D0CED5A3}"/>
+                    <a16:creationId xmlns:a16="http://schemas.microsoft.com/office/drawing/2014/main" xmlns="" id="{7C815D61-07C6-4627-90E1-2EB4D0CED5A3}"/>
                   </a:ext>
                 </a:extLst>
               </p:cNvPr>
@@ -9284,7 +9284,7 @@
               <p:cNvPr id="30" name="타원 29">
                 <a:extLst>
                   <a:ext uri="{FF2B5EF4-FFF2-40B4-BE49-F238E27FC236}">
-                    <a16:creationId xmlns="" xmlns:a16="http://schemas.microsoft.com/office/drawing/2014/main" id="{72E9870F-ABFB-494D-8023-215084EBA05C}"/>
+                    <a16:creationId xmlns:a16="http://schemas.microsoft.com/office/drawing/2014/main" xmlns="" id="{72E9870F-ABFB-494D-8023-215084EBA05C}"/>
                   </a:ext>
                 </a:extLst>
               </p:cNvPr>
@@ -9344,7 +9344,7 @@
               <p:cNvPr id="31" name="타원 30">
                 <a:extLst>
                   <a:ext uri="{FF2B5EF4-FFF2-40B4-BE49-F238E27FC236}">
-                    <a16:creationId xmlns="" xmlns:a16="http://schemas.microsoft.com/office/drawing/2014/main" id="{E616952D-60CD-4373-A2D0-B4FD5659943A}"/>
+                    <a16:creationId xmlns:a16="http://schemas.microsoft.com/office/drawing/2014/main" xmlns="" id="{E616952D-60CD-4373-A2D0-B4FD5659943A}"/>
                   </a:ext>
                 </a:extLst>
               </p:cNvPr>
@@ -9404,7 +9404,7 @@
               <p:cNvPr id="32" name="타원 31">
                 <a:extLst>
                   <a:ext uri="{FF2B5EF4-FFF2-40B4-BE49-F238E27FC236}">
-                    <a16:creationId xmlns="" xmlns:a16="http://schemas.microsoft.com/office/drawing/2014/main" id="{ED2B5723-8454-4313-A09E-3752D4CD42EF}"/>
+                    <a16:creationId xmlns:a16="http://schemas.microsoft.com/office/drawing/2014/main" xmlns="" id="{ED2B5723-8454-4313-A09E-3752D4CD42EF}"/>
                   </a:ext>
                 </a:extLst>
               </p:cNvPr>
@@ -9464,7 +9464,7 @@
               <p:cNvPr id="33" name="직선 화살표 연결선 32">
                 <a:extLst>
                   <a:ext uri="{FF2B5EF4-FFF2-40B4-BE49-F238E27FC236}">
-                    <a16:creationId xmlns="" xmlns:a16="http://schemas.microsoft.com/office/drawing/2014/main" id="{9539B510-6A62-45AD-BF69-1B253709CA90}"/>
+                    <a16:creationId xmlns:a16="http://schemas.microsoft.com/office/drawing/2014/main" xmlns="" id="{9539B510-6A62-45AD-BF69-1B253709CA90}"/>
                   </a:ext>
                 </a:extLst>
               </p:cNvPr>
@@ -10965,14 +10965,14 @@
                 <a:gridCol w="1443550">
                   <a:extLst>
                     <a:ext uri="{9D8B030D-6E8A-4147-A177-3AD203B41FA5}">
-                      <a16:colId xmlns="" xmlns:a16="http://schemas.microsoft.com/office/drawing/2014/main" val="20000"/>
+                      <a16:colId xmlns:a16="http://schemas.microsoft.com/office/drawing/2014/main" xmlns="" val="20000"/>
                     </a:ext>
                   </a:extLst>
                 </a:gridCol>
                 <a:gridCol w="2680550">
                   <a:extLst>
                     <a:ext uri="{9D8B030D-6E8A-4147-A177-3AD203B41FA5}">
-                      <a16:colId xmlns="" xmlns:a16="http://schemas.microsoft.com/office/drawing/2014/main" val="20001"/>
+                      <a16:colId xmlns:a16="http://schemas.microsoft.com/office/drawing/2014/main" xmlns="" val="20001"/>
                     </a:ext>
                   </a:extLst>
                 </a:gridCol>
@@ -11138,7 +11138,7 @@
                 </a:tc>
                 <a:extLst>
                   <a:ext uri="{0D108BD9-81ED-4DB2-BD59-A6C34878D82A}">
-                    <a16:rowId xmlns="" xmlns:a16="http://schemas.microsoft.com/office/drawing/2014/main" val="10000"/>
+                    <a16:rowId xmlns:a16="http://schemas.microsoft.com/office/drawing/2014/main" xmlns="" val="10000"/>
                   </a:ext>
                 </a:extLst>
               </a:tr>
@@ -11299,7 +11299,7 @@
                 </a:tc>
                 <a:extLst>
                   <a:ext uri="{0D108BD9-81ED-4DB2-BD59-A6C34878D82A}">
-                    <a16:rowId xmlns="" xmlns:a16="http://schemas.microsoft.com/office/drawing/2014/main" val="10001"/>
+                    <a16:rowId xmlns:a16="http://schemas.microsoft.com/office/drawing/2014/main" xmlns="" val="10001"/>
                   </a:ext>
                 </a:extLst>
               </a:tr>
@@ -11387,7 +11387,7 @@
                 </a:tc>
                 <a:extLst>
                   <a:ext uri="{0D108BD9-81ED-4DB2-BD59-A6C34878D82A}">
-                    <a16:rowId xmlns="" xmlns:a16="http://schemas.microsoft.com/office/drawing/2014/main" val="10002"/>
+                    <a16:rowId xmlns:a16="http://schemas.microsoft.com/office/drawing/2014/main" xmlns="" val="10002"/>
                   </a:ext>
                 </a:extLst>
               </a:tr>
@@ -11415,14 +11415,14 @@
                 <a:gridCol w="1407750">
                   <a:extLst>
                     <a:ext uri="{9D8B030D-6E8A-4147-A177-3AD203B41FA5}">
-                      <a16:colId xmlns="" xmlns:a16="http://schemas.microsoft.com/office/drawing/2014/main" val="20000"/>
+                      <a16:colId xmlns:a16="http://schemas.microsoft.com/office/drawing/2014/main" xmlns="" val="20000"/>
                     </a:ext>
                   </a:extLst>
                 </a:gridCol>
                 <a:gridCol w="1407750">
                   <a:extLst>
                     <a:ext uri="{9D8B030D-6E8A-4147-A177-3AD203B41FA5}">
-                      <a16:colId xmlns="" xmlns:a16="http://schemas.microsoft.com/office/drawing/2014/main" val="20001"/>
+                      <a16:colId xmlns:a16="http://schemas.microsoft.com/office/drawing/2014/main" xmlns="" val="20001"/>
                     </a:ext>
                   </a:extLst>
                 </a:gridCol>
@@ -11580,7 +11580,7 @@
                 </a:tc>
                 <a:extLst>
                   <a:ext uri="{0D108BD9-81ED-4DB2-BD59-A6C34878D82A}">
-                    <a16:rowId xmlns="" xmlns:a16="http://schemas.microsoft.com/office/drawing/2014/main" val="10000"/>
+                    <a16:rowId xmlns:a16="http://schemas.microsoft.com/office/drawing/2014/main" xmlns="" val="10000"/>
                   </a:ext>
                 </a:extLst>
               </a:tr>
@@ -11608,14 +11608,14 @@
                 <a:gridCol w="1407750">
                   <a:extLst>
                     <a:ext uri="{9D8B030D-6E8A-4147-A177-3AD203B41FA5}">
-                      <a16:colId xmlns="" xmlns:a16="http://schemas.microsoft.com/office/drawing/2014/main" val="20000"/>
+                      <a16:colId xmlns:a16="http://schemas.microsoft.com/office/drawing/2014/main" xmlns="" val="20000"/>
                     </a:ext>
                   </a:extLst>
                 </a:gridCol>
                 <a:gridCol w="1407750">
                   <a:extLst>
                     <a:ext uri="{9D8B030D-6E8A-4147-A177-3AD203B41FA5}">
-                      <a16:colId xmlns="" xmlns:a16="http://schemas.microsoft.com/office/drawing/2014/main" val="20001"/>
+                      <a16:colId xmlns:a16="http://schemas.microsoft.com/office/drawing/2014/main" xmlns="" val="20001"/>
                     </a:ext>
                   </a:extLst>
                 </a:gridCol>
@@ -11773,7 +11773,7 @@
                 </a:tc>
                 <a:extLst>
                   <a:ext uri="{0D108BD9-81ED-4DB2-BD59-A6C34878D82A}">
-                    <a16:rowId xmlns="" xmlns:a16="http://schemas.microsoft.com/office/drawing/2014/main" val="10000"/>
+                    <a16:rowId xmlns:a16="http://schemas.microsoft.com/office/drawing/2014/main" xmlns="" val="10000"/>
                   </a:ext>
                 </a:extLst>
               </a:tr>
@@ -11807,14 +11807,14 @@
                 <a:gridCol w="382900">
                   <a:extLst>
                     <a:ext uri="{9D8B030D-6E8A-4147-A177-3AD203B41FA5}">
-                      <a16:colId xmlns="" xmlns:a16="http://schemas.microsoft.com/office/drawing/2014/main" val="20000"/>
+                      <a16:colId xmlns:a16="http://schemas.microsoft.com/office/drawing/2014/main" xmlns="" val="20000"/>
                     </a:ext>
                   </a:extLst>
                 </a:gridCol>
                 <a:gridCol w="3149100">
                   <a:extLst>
                     <a:ext uri="{9D8B030D-6E8A-4147-A177-3AD203B41FA5}">
-                      <a16:colId xmlns="" xmlns:a16="http://schemas.microsoft.com/office/drawing/2014/main" val="20001"/>
+                      <a16:colId xmlns:a16="http://schemas.microsoft.com/office/drawing/2014/main" xmlns="" val="20001"/>
                     </a:ext>
                   </a:extLst>
                 </a:gridCol>
@@ -11972,7 +11972,7 @@
                 </a:tc>
                 <a:extLst>
                   <a:ext uri="{0D108BD9-81ED-4DB2-BD59-A6C34878D82A}">
-                    <a16:rowId xmlns="" xmlns:a16="http://schemas.microsoft.com/office/drawing/2014/main" val="10000"/>
+                    <a16:rowId xmlns:a16="http://schemas.microsoft.com/office/drawing/2014/main" xmlns="" val="10000"/>
                   </a:ext>
                 </a:extLst>
               </a:tr>
@@ -12141,7 +12141,7 @@
                 </a:tc>
                 <a:extLst>
                   <a:ext uri="{0D108BD9-81ED-4DB2-BD59-A6C34878D82A}">
-                    <a16:rowId xmlns="" xmlns:a16="http://schemas.microsoft.com/office/drawing/2014/main" val="10001"/>
+                    <a16:rowId xmlns:a16="http://schemas.microsoft.com/office/drawing/2014/main" xmlns="" val="10001"/>
                   </a:ext>
                 </a:extLst>
               </a:tr>
@@ -12381,7 +12381,7 @@
                 </a:tc>
                 <a:extLst>
                   <a:ext uri="{0D108BD9-81ED-4DB2-BD59-A6C34878D82A}">
-                    <a16:rowId xmlns="" xmlns:a16="http://schemas.microsoft.com/office/drawing/2014/main" val="10002"/>
+                    <a16:rowId xmlns:a16="http://schemas.microsoft.com/office/drawing/2014/main" xmlns="" val="10002"/>
                   </a:ext>
                 </a:extLst>
               </a:tr>
@@ -12530,7 +12530,7 @@
                 </a:tc>
                 <a:extLst>
                   <a:ext uri="{0D108BD9-81ED-4DB2-BD59-A6C34878D82A}">
-                    <a16:rowId xmlns="" xmlns:a16="http://schemas.microsoft.com/office/drawing/2014/main" val="10003"/>
+                    <a16:rowId xmlns:a16="http://schemas.microsoft.com/office/drawing/2014/main" xmlns="" val="10003"/>
                   </a:ext>
                 </a:extLst>
               </a:tr>
@@ -12679,7 +12679,7 @@
                 </a:tc>
                 <a:extLst>
                   <a:ext uri="{0D108BD9-81ED-4DB2-BD59-A6C34878D82A}">
-                    <a16:rowId xmlns="" xmlns:a16="http://schemas.microsoft.com/office/drawing/2014/main" val="10004"/>
+                    <a16:rowId xmlns:a16="http://schemas.microsoft.com/office/drawing/2014/main" xmlns="" val="10004"/>
                   </a:ext>
                 </a:extLst>
               </a:tr>
@@ -12828,7 +12828,7 @@
                 </a:tc>
                 <a:extLst>
                   <a:ext uri="{0D108BD9-81ED-4DB2-BD59-A6C34878D82A}">
-                    <a16:rowId xmlns="" xmlns:a16="http://schemas.microsoft.com/office/drawing/2014/main" val="10005"/>
+                    <a16:rowId xmlns:a16="http://schemas.microsoft.com/office/drawing/2014/main" xmlns="" val="10005"/>
                   </a:ext>
                 </a:extLst>
               </a:tr>
@@ -12959,7 +12959,7 @@
                 </a:tc>
                 <a:extLst>
                   <a:ext uri="{0D108BD9-81ED-4DB2-BD59-A6C34878D82A}">
-                    <a16:rowId xmlns="" xmlns:a16="http://schemas.microsoft.com/office/drawing/2014/main" val="10006"/>
+                    <a16:rowId xmlns:a16="http://schemas.microsoft.com/office/drawing/2014/main" xmlns="" val="10006"/>
                   </a:ext>
                 </a:extLst>
               </a:tr>
@@ -13326,7 +13326,7 @@
             <p:cNvPr id="63" name="Google Shape;168;g7c553259d1_0_81">
               <a:extLst>
                 <a:ext uri="{FF2B5EF4-FFF2-40B4-BE49-F238E27FC236}">
-                  <a16:creationId xmlns="" xmlns:a16="http://schemas.microsoft.com/office/drawing/2014/main" id="{17F328D9-F007-4F17-B8D3-F5BF172C39E0}"/>
+                  <a16:creationId xmlns:a16="http://schemas.microsoft.com/office/drawing/2014/main" xmlns="" id="{17F328D9-F007-4F17-B8D3-F5BF172C39E0}"/>
                 </a:ext>
               </a:extLst>
             </p:cNvPr>
@@ -13486,7 +13486,7 @@
             <p:cNvPr id="65" name="직선 화살표 연결선 64">
               <a:extLst>
                 <a:ext uri="{FF2B5EF4-FFF2-40B4-BE49-F238E27FC236}">
-                  <a16:creationId xmlns="" xmlns:a16="http://schemas.microsoft.com/office/drawing/2014/main" id="{79A1FAE9-8D8C-4652-9C5B-BE5298C6EBA4}"/>
+                  <a16:creationId xmlns:a16="http://schemas.microsoft.com/office/drawing/2014/main" xmlns="" id="{79A1FAE9-8D8C-4652-9C5B-BE5298C6EBA4}"/>
                 </a:ext>
               </a:extLst>
             </p:cNvPr>
@@ -13529,7 +13529,7 @@
             <p:cNvPr id="66" name="직선 화살표 연결선 65">
               <a:extLst>
                 <a:ext uri="{FF2B5EF4-FFF2-40B4-BE49-F238E27FC236}">
-                  <a16:creationId xmlns="" xmlns:a16="http://schemas.microsoft.com/office/drawing/2014/main" id="{42FE64DF-D8D3-4F10-9773-BDC060E89BCA}"/>
+                  <a16:creationId xmlns:a16="http://schemas.microsoft.com/office/drawing/2014/main" xmlns="" id="{42FE64DF-D8D3-4F10-9773-BDC060E89BCA}"/>
                 </a:ext>
               </a:extLst>
             </p:cNvPr>
@@ -13572,7 +13572,7 @@
             <p:cNvPr id="67" name="Google Shape;176;g7c553259d1_0_81">
               <a:extLst>
                 <a:ext uri="{FF2B5EF4-FFF2-40B4-BE49-F238E27FC236}">
-                  <a16:creationId xmlns="" xmlns:a16="http://schemas.microsoft.com/office/drawing/2014/main" id="{E7AA7096-9FC6-45CB-87E7-FD3B983D7A81}"/>
+                  <a16:creationId xmlns:a16="http://schemas.microsoft.com/office/drawing/2014/main" xmlns="" id="{E7AA7096-9FC6-45CB-87E7-FD3B983D7A81}"/>
                 </a:ext>
               </a:extLst>
             </p:cNvPr>
@@ -13745,7 +13745,7 @@
             <p:cNvPr id="70" name="그림 69" descr="실내, 테이블, 앉아있는, 쥐고있는이(가) 표시된 사진&#10;&#10;매우 높은 신뢰도로 생성된 설명">
               <a:extLst>
                 <a:ext uri="{FF2B5EF4-FFF2-40B4-BE49-F238E27FC236}">
-                  <a16:creationId xmlns="" xmlns:a16="http://schemas.microsoft.com/office/drawing/2014/main" id="{69A8FAA6-15F6-4590-82EA-FFF0262764C9}"/>
+                  <a16:creationId xmlns:a16="http://schemas.microsoft.com/office/drawing/2014/main" xmlns="" id="{69A8FAA6-15F6-4590-82EA-FFF0262764C9}"/>
                 </a:ext>
               </a:extLst>
             </p:cNvPr>
@@ -13775,7 +13775,7 @@
             <p:cNvPr id="71" name="Google Shape;176;g7c553259d1_0_81">
               <a:extLst>
                 <a:ext uri="{FF2B5EF4-FFF2-40B4-BE49-F238E27FC236}">
-                  <a16:creationId xmlns="" xmlns:a16="http://schemas.microsoft.com/office/drawing/2014/main" id="{9C0E1ED6-46E4-4731-AB75-D0F000180D85}"/>
+                  <a16:creationId xmlns:a16="http://schemas.microsoft.com/office/drawing/2014/main" xmlns="" id="{9C0E1ED6-46E4-4731-AB75-D0F000180D85}"/>
                 </a:ext>
               </a:extLst>
             </p:cNvPr>
@@ -13934,7 +13934,7 @@
             <p:cNvPr id="72" name="Google Shape;176;g7c553259d1_0_81">
               <a:extLst>
                 <a:ext uri="{FF2B5EF4-FFF2-40B4-BE49-F238E27FC236}">
-                  <a16:creationId xmlns="" xmlns:a16="http://schemas.microsoft.com/office/drawing/2014/main" id="{5BC45C6B-096C-49BF-B274-93396B802DFE}"/>
+                  <a16:creationId xmlns:a16="http://schemas.microsoft.com/office/drawing/2014/main" xmlns="" id="{5BC45C6B-096C-49BF-B274-93396B802DFE}"/>
                 </a:ext>
               </a:extLst>
             </p:cNvPr>
@@ -14093,7 +14093,7 @@
             <p:cNvPr id="73" name="직선 화살표 연결선 72">
               <a:extLst>
                 <a:ext uri="{FF2B5EF4-FFF2-40B4-BE49-F238E27FC236}">
-                  <a16:creationId xmlns="" xmlns:a16="http://schemas.microsoft.com/office/drawing/2014/main" id="{8E79EA51-0D33-4ADA-90BC-126F69C33891}"/>
+                  <a16:creationId xmlns:a16="http://schemas.microsoft.com/office/drawing/2014/main" xmlns="" id="{8E79EA51-0D33-4ADA-90BC-126F69C33891}"/>
                 </a:ext>
               </a:extLst>
             </p:cNvPr>
@@ -14136,7 +14136,7 @@
             <p:cNvPr id="74" name="Google Shape;176;g7c553259d1_0_81">
               <a:extLst>
                 <a:ext uri="{FF2B5EF4-FFF2-40B4-BE49-F238E27FC236}">
-                  <a16:creationId xmlns="" xmlns:a16="http://schemas.microsoft.com/office/drawing/2014/main" id="{3426AC8F-3EA7-4E7C-8D14-6DB7577AE98F}"/>
+                  <a16:creationId xmlns:a16="http://schemas.microsoft.com/office/drawing/2014/main" xmlns="" id="{3426AC8F-3EA7-4E7C-8D14-6DB7577AE98F}"/>
                 </a:ext>
               </a:extLst>
             </p:cNvPr>
@@ -14309,7 +14309,7 @@
             <p:cNvPr id="75" name="그림 74" descr="실내, 테이블, 앉아있는, 쥐고있는이(가) 표시된 사진&#10;&#10;매우 높은 신뢰도로 생성된 설명">
               <a:extLst>
                 <a:ext uri="{FF2B5EF4-FFF2-40B4-BE49-F238E27FC236}">
-                  <a16:creationId xmlns="" xmlns:a16="http://schemas.microsoft.com/office/drawing/2014/main" id="{9475E286-AAE6-45C2-99CC-D104C7A59969}"/>
+                  <a16:creationId xmlns:a16="http://schemas.microsoft.com/office/drawing/2014/main" xmlns="" id="{9475E286-AAE6-45C2-99CC-D104C7A59969}"/>
                 </a:ext>
               </a:extLst>
             </p:cNvPr>
@@ -14339,7 +14339,7 @@
             <p:cNvPr id="76" name="Google Shape;176;g7c553259d1_0_81">
               <a:extLst>
                 <a:ext uri="{FF2B5EF4-FFF2-40B4-BE49-F238E27FC236}">
-                  <a16:creationId xmlns="" xmlns:a16="http://schemas.microsoft.com/office/drawing/2014/main" id="{9676C32B-66F3-4E6B-9642-024899C319CE}"/>
+                  <a16:creationId xmlns:a16="http://schemas.microsoft.com/office/drawing/2014/main" xmlns="" id="{9676C32B-66F3-4E6B-9642-024899C319CE}"/>
                 </a:ext>
               </a:extLst>
             </p:cNvPr>
@@ -14498,7 +14498,7 @@
             <p:cNvPr id="77" name="Google Shape;176;g7c553259d1_0_81">
               <a:extLst>
                 <a:ext uri="{FF2B5EF4-FFF2-40B4-BE49-F238E27FC236}">
-                  <a16:creationId xmlns="" xmlns:a16="http://schemas.microsoft.com/office/drawing/2014/main" id="{CD47024B-051C-4D7E-B24E-7C3207C7D1FE}"/>
+                  <a16:creationId xmlns:a16="http://schemas.microsoft.com/office/drawing/2014/main" xmlns="" id="{CD47024B-051C-4D7E-B24E-7C3207C7D1FE}"/>
                 </a:ext>
               </a:extLst>
             </p:cNvPr>
@@ -14657,7 +14657,7 @@
             <p:cNvPr id="78" name="직선 화살표 연결선 77">
               <a:extLst>
                 <a:ext uri="{FF2B5EF4-FFF2-40B4-BE49-F238E27FC236}">
-                  <a16:creationId xmlns="" xmlns:a16="http://schemas.microsoft.com/office/drawing/2014/main" id="{4975B0EE-4DCF-4326-97A2-1BBDC31F83F5}"/>
+                  <a16:creationId xmlns:a16="http://schemas.microsoft.com/office/drawing/2014/main" xmlns="" id="{4975B0EE-4DCF-4326-97A2-1BBDC31F83F5}"/>
                 </a:ext>
               </a:extLst>
             </p:cNvPr>
@@ -14700,7 +14700,7 @@
             <p:cNvPr id="79" name="Google Shape;176;g7c553259d1_0_81">
               <a:extLst>
                 <a:ext uri="{FF2B5EF4-FFF2-40B4-BE49-F238E27FC236}">
-                  <a16:creationId xmlns="" xmlns:a16="http://schemas.microsoft.com/office/drawing/2014/main" id="{FB19651E-FC1F-40C1-A739-AC10731A7BF5}"/>
+                  <a16:creationId xmlns:a16="http://schemas.microsoft.com/office/drawing/2014/main" xmlns="" id="{FB19651E-FC1F-40C1-A739-AC10731A7BF5}"/>
                 </a:ext>
               </a:extLst>
             </p:cNvPr>
@@ -14873,7 +14873,7 @@
             <p:cNvPr id="80" name="그림 79" descr="실내, 테이블, 앉아있는, 쥐고있는이(가) 표시된 사진&#10;&#10;매우 높은 신뢰도로 생성된 설명">
               <a:extLst>
                 <a:ext uri="{FF2B5EF4-FFF2-40B4-BE49-F238E27FC236}">
-                  <a16:creationId xmlns="" xmlns:a16="http://schemas.microsoft.com/office/drawing/2014/main" id="{39D45062-9B77-44C7-8CD2-A6C9791F4855}"/>
+                  <a16:creationId xmlns:a16="http://schemas.microsoft.com/office/drawing/2014/main" xmlns="" id="{39D45062-9B77-44C7-8CD2-A6C9791F4855}"/>
                 </a:ext>
               </a:extLst>
             </p:cNvPr>
@@ -14903,7 +14903,7 @@
             <p:cNvPr id="81" name="Google Shape;176;g7c553259d1_0_81">
               <a:extLst>
                 <a:ext uri="{FF2B5EF4-FFF2-40B4-BE49-F238E27FC236}">
-                  <a16:creationId xmlns="" xmlns:a16="http://schemas.microsoft.com/office/drawing/2014/main" id="{3270DC79-AC9C-417A-A6B6-7D5AF86A2D71}"/>
+                  <a16:creationId xmlns:a16="http://schemas.microsoft.com/office/drawing/2014/main" xmlns="" id="{3270DC79-AC9C-417A-A6B6-7D5AF86A2D71}"/>
                 </a:ext>
               </a:extLst>
             </p:cNvPr>
@@ -15062,7 +15062,7 @@
             <p:cNvPr id="82" name="Google Shape;176;g7c553259d1_0_81">
               <a:extLst>
                 <a:ext uri="{FF2B5EF4-FFF2-40B4-BE49-F238E27FC236}">
-                  <a16:creationId xmlns="" xmlns:a16="http://schemas.microsoft.com/office/drawing/2014/main" id="{43A3930F-E833-4807-AB4B-FD5B0390457E}"/>
+                  <a16:creationId xmlns:a16="http://schemas.microsoft.com/office/drawing/2014/main" xmlns="" id="{43A3930F-E833-4807-AB4B-FD5B0390457E}"/>
                 </a:ext>
               </a:extLst>
             </p:cNvPr>
@@ -15221,7 +15221,7 @@
             <p:cNvPr id="83" name="직선 화살표 연결선 82">
               <a:extLst>
                 <a:ext uri="{FF2B5EF4-FFF2-40B4-BE49-F238E27FC236}">
-                  <a16:creationId xmlns="" xmlns:a16="http://schemas.microsoft.com/office/drawing/2014/main" id="{D9BAF179-2C4B-4E29-8EDF-DAF76CD141D2}"/>
+                  <a16:creationId xmlns:a16="http://schemas.microsoft.com/office/drawing/2014/main" xmlns="" id="{D9BAF179-2C4B-4E29-8EDF-DAF76CD141D2}"/>
                 </a:ext>
               </a:extLst>
             </p:cNvPr>
@@ -15264,7 +15264,7 @@
             <p:cNvPr id="84" name="Google Shape;176;g7c553259d1_0_81">
               <a:extLst>
                 <a:ext uri="{FF2B5EF4-FFF2-40B4-BE49-F238E27FC236}">
-                  <a16:creationId xmlns="" xmlns:a16="http://schemas.microsoft.com/office/drawing/2014/main" id="{B1D5351C-0D7D-4A9B-9071-F323F07FA80F}"/>
+                  <a16:creationId xmlns:a16="http://schemas.microsoft.com/office/drawing/2014/main" xmlns="" id="{B1D5351C-0D7D-4A9B-9071-F323F07FA80F}"/>
                 </a:ext>
               </a:extLst>
             </p:cNvPr>
@@ -15437,7 +15437,7 @@
             <p:cNvPr id="85" name="그림 84" descr="실내, 테이블, 앉아있는, 쥐고있는이(가) 표시된 사진&#10;&#10;매우 높은 신뢰도로 생성된 설명">
               <a:extLst>
                 <a:ext uri="{FF2B5EF4-FFF2-40B4-BE49-F238E27FC236}">
-                  <a16:creationId xmlns="" xmlns:a16="http://schemas.microsoft.com/office/drawing/2014/main" id="{AA888A3F-576C-4CFD-B1E8-A140F004C28B}"/>
+                  <a16:creationId xmlns:a16="http://schemas.microsoft.com/office/drawing/2014/main" xmlns="" id="{AA888A3F-576C-4CFD-B1E8-A140F004C28B}"/>
                 </a:ext>
               </a:extLst>
             </p:cNvPr>
@@ -15467,7 +15467,7 @@
             <p:cNvPr id="86" name="Google Shape;176;g7c553259d1_0_81">
               <a:extLst>
                 <a:ext uri="{FF2B5EF4-FFF2-40B4-BE49-F238E27FC236}">
-                  <a16:creationId xmlns="" xmlns:a16="http://schemas.microsoft.com/office/drawing/2014/main" id="{F11FC628-32C3-46FF-9AB3-C9240CB1674C}"/>
+                  <a16:creationId xmlns:a16="http://schemas.microsoft.com/office/drawing/2014/main" xmlns="" id="{F11FC628-32C3-46FF-9AB3-C9240CB1674C}"/>
                 </a:ext>
               </a:extLst>
             </p:cNvPr>
@@ -15626,7 +15626,7 @@
             <p:cNvPr id="87" name="Google Shape;176;g7c553259d1_0_81">
               <a:extLst>
                 <a:ext uri="{FF2B5EF4-FFF2-40B4-BE49-F238E27FC236}">
-                  <a16:creationId xmlns="" xmlns:a16="http://schemas.microsoft.com/office/drawing/2014/main" id="{69FB7A31-E794-4388-9956-4C7C13595314}"/>
+                  <a16:creationId xmlns:a16="http://schemas.microsoft.com/office/drawing/2014/main" xmlns="" id="{69FB7A31-E794-4388-9956-4C7C13595314}"/>
                 </a:ext>
               </a:extLst>
             </p:cNvPr>
@@ -15785,7 +15785,7 @@
             <p:cNvPr id="88" name="직선 화살표 연결선 87">
               <a:extLst>
                 <a:ext uri="{FF2B5EF4-FFF2-40B4-BE49-F238E27FC236}">
-                  <a16:creationId xmlns="" xmlns:a16="http://schemas.microsoft.com/office/drawing/2014/main" id="{D3090D1C-9DD6-400F-BCC4-33DF29B11DD1}"/>
+                  <a16:creationId xmlns:a16="http://schemas.microsoft.com/office/drawing/2014/main" xmlns="" id="{D3090D1C-9DD6-400F-BCC4-33DF29B11DD1}"/>
                 </a:ext>
               </a:extLst>
             </p:cNvPr>
@@ -15828,7 +15828,7 @@
             <p:cNvPr id="89" name="Google Shape;176;g7c553259d1_0_81">
               <a:extLst>
                 <a:ext uri="{FF2B5EF4-FFF2-40B4-BE49-F238E27FC236}">
-                  <a16:creationId xmlns="" xmlns:a16="http://schemas.microsoft.com/office/drawing/2014/main" id="{C1DE3DAB-A7FC-42EB-9623-9AB1D846DB5D}"/>
+                  <a16:creationId xmlns:a16="http://schemas.microsoft.com/office/drawing/2014/main" xmlns="" id="{C1DE3DAB-A7FC-42EB-9623-9AB1D846DB5D}"/>
                 </a:ext>
               </a:extLst>
             </p:cNvPr>
@@ -16001,7 +16001,7 @@
             <p:cNvPr id="90" name="그림 89" descr="실내, 테이블, 앉아있는, 쥐고있는이(가) 표시된 사진&#10;&#10;매우 높은 신뢰도로 생성된 설명">
               <a:extLst>
                 <a:ext uri="{FF2B5EF4-FFF2-40B4-BE49-F238E27FC236}">
-                  <a16:creationId xmlns="" xmlns:a16="http://schemas.microsoft.com/office/drawing/2014/main" id="{809216CC-B4EC-4D4D-9015-C6864146262E}"/>
+                  <a16:creationId xmlns:a16="http://schemas.microsoft.com/office/drawing/2014/main" xmlns="" id="{809216CC-B4EC-4D4D-9015-C6864146262E}"/>
                 </a:ext>
               </a:extLst>
             </p:cNvPr>
@@ -16031,7 +16031,7 @@
             <p:cNvPr id="91" name="Google Shape;176;g7c553259d1_0_81">
               <a:extLst>
                 <a:ext uri="{FF2B5EF4-FFF2-40B4-BE49-F238E27FC236}">
-                  <a16:creationId xmlns="" xmlns:a16="http://schemas.microsoft.com/office/drawing/2014/main" id="{3CF548CB-498E-4541-9020-420CD83A87BB}"/>
+                  <a16:creationId xmlns:a16="http://schemas.microsoft.com/office/drawing/2014/main" xmlns="" id="{3CF548CB-498E-4541-9020-420CD83A87BB}"/>
                 </a:ext>
               </a:extLst>
             </p:cNvPr>
@@ -16190,7 +16190,7 @@
             <p:cNvPr id="92" name="Google Shape;176;g7c553259d1_0_81">
               <a:extLst>
                 <a:ext uri="{FF2B5EF4-FFF2-40B4-BE49-F238E27FC236}">
-                  <a16:creationId xmlns="" xmlns:a16="http://schemas.microsoft.com/office/drawing/2014/main" id="{2C726862-A768-45C1-AFFF-215978207E7A}"/>
+                  <a16:creationId xmlns:a16="http://schemas.microsoft.com/office/drawing/2014/main" xmlns="" id="{2C726862-A768-45C1-AFFF-215978207E7A}"/>
                 </a:ext>
               </a:extLst>
             </p:cNvPr>
@@ -16349,7 +16349,7 @@
             <p:cNvPr id="93" name="직선 화살표 연결선 92">
               <a:extLst>
                 <a:ext uri="{FF2B5EF4-FFF2-40B4-BE49-F238E27FC236}">
-                  <a16:creationId xmlns="" xmlns:a16="http://schemas.microsoft.com/office/drawing/2014/main" id="{051D5826-F627-460F-9682-6A13971B4C3C}"/>
+                  <a16:creationId xmlns:a16="http://schemas.microsoft.com/office/drawing/2014/main" xmlns="" id="{051D5826-F627-460F-9682-6A13971B4C3C}"/>
                 </a:ext>
               </a:extLst>
             </p:cNvPr>
@@ -16392,7 +16392,7 @@
             <p:cNvPr id="94" name="Google Shape;176;g7c553259d1_0_81">
               <a:extLst>
                 <a:ext uri="{FF2B5EF4-FFF2-40B4-BE49-F238E27FC236}">
-                  <a16:creationId xmlns="" xmlns:a16="http://schemas.microsoft.com/office/drawing/2014/main" id="{13F5768A-E942-4AD8-93FA-238D8DC0E0DA}"/>
+                  <a16:creationId xmlns:a16="http://schemas.microsoft.com/office/drawing/2014/main" xmlns="" id="{13F5768A-E942-4AD8-93FA-238D8DC0E0DA}"/>
                 </a:ext>
               </a:extLst>
             </p:cNvPr>
@@ -16565,7 +16565,7 @@
             <p:cNvPr id="95" name="그림 94" descr="실내, 테이블, 앉아있는, 쥐고있는이(가) 표시된 사진&#10;&#10;매우 높은 신뢰도로 생성된 설명">
               <a:extLst>
                 <a:ext uri="{FF2B5EF4-FFF2-40B4-BE49-F238E27FC236}">
-                  <a16:creationId xmlns="" xmlns:a16="http://schemas.microsoft.com/office/drawing/2014/main" id="{8683EADF-31E7-4021-9F1A-27063D207B60}"/>
+                  <a16:creationId xmlns:a16="http://schemas.microsoft.com/office/drawing/2014/main" xmlns="" id="{8683EADF-31E7-4021-9F1A-27063D207B60}"/>
                 </a:ext>
               </a:extLst>
             </p:cNvPr>
@@ -16595,7 +16595,7 @@
             <p:cNvPr id="96" name="Google Shape;176;g7c553259d1_0_81">
               <a:extLst>
                 <a:ext uri="{FF2B5EF4-FFF2-40B4-BE49-F238E27FC236}">
-                  <a16:creationId xmlns="" xmlns:a16="http://schemas.microsoft.com/office/drawing/2014/main" id="{4456304C-017E-49AB-9129-04BC68501DD1}"/>
+                  <a16:creationId xmlns:a16="http://schemas.microsoft.com/office/drawing/2014/main" xmlns="" id="{4456304C-017E-49AB-9129-04BC68501DD1}"/>
                 </a:ext>
               </a:extLst>
             </p:cNvPr>
@@ -16754,7 +16754,7 @@
             <p:cNvPr id="97" name="Google Shape;176;g7c553259d1_0_81">
               <a:extLst>
                 <a:ext uri="{FF2B5EF4-FFF2-40B4-BE49-F238E27FC236}">
-                  <a16:creationId xmlns="" xmlns:a16="http://schemas.microsoft.com/office/drawing/2014/main" id="{DE8BC422-8CF7-444B-BF43-45BF788C322D}"/>
+                  <a16:creationId xmlns:a16="http://schemas.microsoft.com/office/drawing/2014/main" xmlns="" id="{DE8BC422-8CF7-444B-BF43-45BF788C322D}"/>
                 </a:ext>
               </a:extLst>
             </p:cNvPr>
@@ -17022,7 +17022,7 @@
             <p:cNvPr id="98" name="Google Shape;173;g7c553259d1_0_81">
               <a:extLst>
                 <a:ext uri="{FF2B5EF4-FFF2-40B4-BE49-F238E27FC236}">
-                  <a16:creationId xmlns="" xmlns:a16="http://schemas.microsoft.com/office/drawing/2014/main" id="{8DFFBFEB-9144-49A7-9156-EC6B6ACD85E3}"/>
+                  <a16:creationId xmlns:a16="http://schemas.microsoft.com/office/drawing/2014/main" xmlns="" id="{8DFFBFEB-9144-49A7-9156-EC6B6ACD85E3}"/>
                 </a:ext>
               </a:extLst>
             </p:cNvPr>
@@ -17705,7 +17705,7 @@
         </p:blipFill>
         <p:spPr bwMode="auto">
           <a:xfrm>
-            <a:off x="3085383" y="282904"/>
+            <a:off x="2301267" y="282904"/>
             <a:ext cx="5145996" cy="1970637"/>
           </a:xfrm>
           <a:prstGeom prst="rect">
@@ -17764,7 +17764,7 @@
         </p:blipFill>
         <p:spPr bwMode="auto">
           <a:xfrm>
-            <a:off x="8642349" y="282904"/>
+            <a:off x="8760883" y="282904"/>
             <a:ext cx="3177116" cy="2800879"/>
           </a:xfrm>
           <a:prstGeom prst="rect">
@@ -17849,13 +17849,13 @@
           <p:nvPr>
             <p:extLst>
               <p:ext uri="{D42A27DB-BD31-4B8C-83A1-F6EECF244321}">
-                <p14:modId xmlns:p14="http://schemas.microsoft.com/office/powerpoint/2010/main" val="38561765"/>
+                <p14:modId xmlns:p14="http://schemas.microsoft.com/office/powerpoint/2010/main" val="424743084"/>
               </p:ext>
             </p:extLst>
           </p:nvPr>
         </p:nvGraphicFramePr>
         <p:xfrm>
-          <a:off x="349871" y="4099616"/>
+          <a:off x="570782" y="3447521"/>
           <a:ext cx="5001062" cy="2387600"/>
         </p:xfrm>
         <a:graphic>
@@ -18122,7 +18122,7 @@
         </p:nvSpPr>
         <p:spPr>
           <a:xfrm>
-            <a:off x="2721946" y="3962267"/>
+            <a:off x="2942857" y="3310172"/>
             <a:ext cx="2783530" cy="2660822"/>
           </a:xfrm>
           <a:prstGeom prst="rect">
@@ -18232,6 +18232,65 @@
           </a:fontRef>
         </p:style>
       </p:cxnSp>
+      <p:pic>
+        <p:nvPicPr>
+          <p:cNvPr id="1027" name="Picture 3"/>
+          <p:cNvPicPr>
+            <a:picLocks noChangeAspect="1" noChangeArrowheads="1"/>
+          </p:cNvPicPr>
+          <p:nvPr/>
+        </p:nvPicPr>
+        <p:blipFill>
+          <a:blip r:embed="rId5">
+            <a:extLst>
+              <a:ext uri="{28A0092B-C50C-407E-A947-70E740481C1C}">
+                <a14:useLocalDpi xmlns:a14="http://schemas.microsoft.com/office/drawing/2010/main" val="0"/>
+              </a:ext>
+            </a:extLst>
+          </a:blip>
+          <a:srcRect/>
+          <a:stretch>
+            <a:fillRect/>
+          </a:stretch>
+        </p:blipFill>
+        <p:spPr bwMode="auto">
+          <a:xfrm>
+            <a:off x="446617" y="3716867"/>
+            <a:ext cx="6419850" cy="2943225"/>
+          </a:xfrm>
+          <a:prstGeom prst="rect">
+            <a:avLst/>
+          </a:prstGeom>
+          <a:noFill/>
+          <a:ln w="57150">
+            <a:solidFill>
+              <a:srgbClr val="FF0000"/>
+            </a:solidFill>
+            <a:miter lim="800000"/>
+            <a:headEnd/>
+            <a:tailEnd/>
+          </a:ln>
+          <a:effectLst/>
+          <a:extLst>
+            <a:ext uri="{909E8E84-426E-40DD-AFC4-6F175D3DCCD1}">
+              <a14:hiddenFill xmlns:a14="http://schemas.microsoft.com/office/drawing/2010/main">
+                <a:solidFill>
+                  <a:schemeClr val="accent1"/>
+                </a:solidFill>
+              </a14:hiddenFill>
+            </a:ext>
+            <a:ext uri="{AF507438-7753-43E0-B8FC-AC1667EBCBE1}">
+              <a14:hiddenEffects xmlns:a14="http://schemas.microsoft.com/office/drawing/2010/main">
+                <a:effectLst>
+                  <a:outerShdw dist="35921" dir="2700000" algn="ctr" rotWithShape="0">
+                    <a:schemeClr val="bg2"/>
+                  </a:outerShdw>
+                </a:effectLst>
+              </a14:hiddenEffects>
+            </a:ext>
+          </a:extLst>
+        </p:spPr>
+      </p:pic>
     </p:spTree>
     <p:extLst>
       <p:ext uri="{BB962C8B-B14F-4D97-AF65-F5344CB8AC3E}">
@@ -18288,14 +18347,14 @@
                 <a:gridCol w="1443550">
                   <a:extLst>
                     <a:ext uri="{9D8B030D-6E8A-4147-A177-3AD203B41FA5}">
-                      <a16:colId xmlns:a16="http://schemas.microsoft.com/office/drawing/2014/main" xmlns="" val="20000"/>
+                      <a16:colId xmlns="" xmlns:a16="http://schemas.microsoft.com/office/drawing/2014/main" val="20000"/>
                     </a:ext>
                   </a:extLst>
                 </a:gridCol>
                 <a:gridCol w="2680550">
                   <a:extLst>
                     <a:ext uri="{9D8B030D-6E8A-4147-A177-3AD203B41FA5}">
-                      <a16:colId xmlns:a16="http://schemas.microsoft.com/office/drawing/2014/main" xmlns="" val="20001"/>
+                      <a16:colId xmlns="" xmlns:a16="http://schemas.microsoft.com/office/drawing/2014/main" val="20001"/>
                     </a:ext>
                   </a:extLst>
                 </a:gridCol>
@@ -18461,7 +18520,7 @@
                 </a:tc>
                 <a:extLst>
                   <a:ext uri="{0D108BD9-81ED-4DB2-BD59-A6C34878D82A}">
-                    <a16:rowId xmlns:a16="http://schemas.microsoft.com/office/drawing/2014/main" xmlns="" val="10000"/>
+                    <a16:rowId xmlns="" xmlns:a16="http://schemas.microsoft.com/office/drawing/2014/main" val="10000"/>
                   </a:ext>
                 </a:extLst>
               </a:tr>
@@ -18636,7 +18695,7 @@
                 </a:tc>
                 <a:extLst>
                   <a:ext uri="{0D108BD9-81ED-4DB2-BD59-A6C34878D82A}">
-                    <a16:rowId xmlns:a16="http://schemas.microsoft.com/office/drawing/2014/main" xmlns="" val="10001"/>
+                    <a16:rowId xmlns="" xmlns:a16="http://schemas.microsoft.com/office/drawing/2014/main" val="10001"/>
                   </a:ext>
                 </a:extLst>
               </a:tr>
@@ -18724,7 +18783,7 @@
                 </a:tc>
                 <a:extLst>
                   <a:ext uri="{0D108BD9-81ED-4DB2-BD59-A6C34878D82A}">
-                    <a16:rowId xmlns:a16="http://schemas.microsoft.com/office/drawing/2014/main" xmlns="" val="10002"/>
+                    <a16:rowId xmlns="" xmlns:a16="http://schemas.microsoft.com/office/drawing/2014/main" val="10002"/>
                   </a:ext>
                 </a:extLst>
               </a:tr>
@@ -18752,14 +18811,14 @@
                 <a:gridCol w="1407750">
                   <a:extLst>
                     <a:ext uri="{9D8B030D-6E8A-4147-A177-3AD203B41FA5}">
-                      <a16:colId xmlns:a16="http://schemas.microsoft.com/office/drawing/2014/main" xmlns="" val="20000"/>
+                      <a16:colId xmlns="" xmlns:a16="http://schemas.microsoft.com/office/drawing/2014/main" val="20000"/>
                     </a:ext>
                   </a:extLst>
                 </a:gridCol>
                 <a:gridCol w="1407750">
                   <a:extLst>
                     <a:ext uri="{9D8B030D-6E8A-4147-A177-3AD203B41FA5}">
-                      <a16:colId xmlns:a16="http://schemas.microsoft.com/office/drawing/2014/main" xmlns="" val="20001"/>
+                      <a16:colId xmlns="" xmlns:a16="http://schemas.microsoft.com/office/drawing/2014/main" val="20001"/>
                     </a:ext>
                   </a:extLst>
                 </a:gridCol>
@@ -18917,7 +18976,7 @@
                 </a:tc>
                 <a:extLst>
                   <a:ext uri="{0D108BD9-81ED-4DB2-BD59-A6C34878D82A}">
-                    <a16:rowId xmlns:a16="http://schemas.microsoft.com/office/drawing/2014/main" xmlns="" val="10000"/>
+                    <a16:rowId xmlns="" xmlns:a16="http://schemas.microsoft.com/office/drawing/2014/main" val="10000"/>
                   </a:ext>
                 </a:extLst>
               </a:tr>
@@ -18945,14 +19004,14 @@
                 <a:gridCol w="1407750">
                   <a:extLst>
                     <a:ext uri="{9D8B030D-6E8A-4147-A177-3AD203B41FA5}">
-                      <a16:colId xmlns:a16="http://schemas.microsoft.com/office/drawing/2014/main" xmlns="" val="20000"/>
+                      <a16:colId xmlns="" xmlns:a16="http://schemas.microsoft.com/office/drawing/2014/main" val="20000"/>
                     </a:ext>
                   </a:extLst>
                 </a:gridCol>
                 <a:gridCol w="1407750">
                   <a:extLst>
                     <a:ext uri="{9D8B030D-6E8A-4147-A177-3AD203B41FA5}">
-                      <a16:colId xmlns:a16="http://schemas.microsoft.com/office/drawing/2014/main" xmlns="" val="20001"/>
+                      <a16:colId xmlns="" xmlns:a16="http://schemas.microsoft.com/office/drawing/2014/main" val="20001"/>
                     </a:ext>
                   </a:extLst>
                 </a:gridCol>
@@ -19110,7 +19169,7 @@
                 </a:tc>
                 <a:extLst>
                   <a:ext uri="{0D108BD9-81ED-4DB2-BD59-A6C34878D82A}">
-                    <a16:rowId xmlns:a16="http://schemas.microsoft.com/office/drawing/2014/main" xmlns="" val="10000"/>
+                    <a16:rowId xmlns="" xmlns:a16="http://schemas.microsoft.com/office/drawing/2014/main" val="10000"/>
                   </a:ext>
                 </a:extLst>
               </a:tr>
@@ -19144,14 +19203,14 @@
                 <a:gridCol w="382900">
                   <a:extLst>
                     <a:ext uri="{9D8B030D-6E8A-4147-A177-3AD203B41FA5}">
-                      <a16:colId xmlns:a16="http://schemas.microsoft.com/office/drawing/2014/main" xmlns="" val="20000"/>
+                      <a16:colId xmlns="" xmlns:a16="http://schemas.microsoft.com/office/drawing/2014/main" val="20000"/>
                     </a:ext>
                   </a:extLst>
                 </a:gridCol>
                 <a:gridCol w="3149100">
                   <a:extLst>
                     <a:ext uri="{9D8B030D-6E8A-4147-A177-3AD203B41FA5}">
-                      <a16:colId xmlns:a16="http://schemas.microsoft.com/office/drawing/2014/main" xmlns="" val="20001"/>
+                      <a16:colId xmlns="" xmlns:a16="http://schemas.microsoft.com/office/drawing/2014/main" val="20001"/>
                     </a:ext>
                   </a:extLst>
                 </a:gridCol>
@@ -19309,7 +19368,7 @@
                 </a:tc>
                 <a:extLst>
                   <a:ext uri="{0D108BD9-81ED-4DB2-BD59-A6C34878D82A}">
-                    <a16:rowId xmlns:a16="http://schemas.microsoft.com/office/drawing/2014/main" xmlns="" val="10000"/>
+                    <a16:rowId xmlns="" xmlns:a16="http://schemas.microsoft.com/office/drawing/2014/main" val="10000"/>
                   </a:ext>
                 </a:extLst>
               </a:tr>
@@ -19501,7 +19560,7 @@
                 </a:tc>
                 <a:extLst>
                   <a:ext uri="{0D108BD9-81ED-4DB2-BD59-A6C34878D82A}">
-                    <a16:rowId xmlns:a16="http://schemas.microsoft.com/office/drawing/2014/main" xmlns="" val="10001"/>
+                    <a16:rowId xmlns="" xmlns:a16="http://schemas.microsoft.com/office/drawing/2014/main" val="10001"/>
                   </a:ext>
                 </a:extLst>
               </a:tr>
@@ -19738,7 +19797,7 @@
                 </a:tc>
                 <a:extLst>
                   <a:ext uri="{0D108BD9-81ED-4DB2-BD59-A6C34878D82A}">
-                    <a16:rowId xmlns:a16="http://schemas.microsoft.com/office/drawing/2014/main" xmlns="" val="10002"/>
+                    <a16:rowId xmlns="" xmlns:a16="http://schemas.microsoft.com/office/drawing/2014/main" val="10002"/>
                   </a:ext>
                 </a:extLst>
               </a:tr>
@@ -19941,7 +20000,7 @@
                 </a:tc>
                 <a:extLst>
                   <a:ext uri="{0D108BD9-81ED-4DB2-BD59-A6C34878D82A}">
-                    <a16:rowId xmlns:a16="http://schemas.microsoft.com/office/drawing/2014/main" xmlns="" val="10003"/>
+                    <a16:rowId xmlns="" xmlns:a16="http://schemas.microsoft.com/office/drawing/2014/main" val="10003"/>
                   </a:ext>
                 </a:extLst>
               </a:tr>
@@ -20106,7 +20165,7 @@
                 </a:tc>
                 <a:extLst>
                   <a:ext uri="{0D108BD9-81ED-4DB2-BD59-A6C34878D82A}">
-                    <a16:rowId xmlns:a16="http://schemas.microsoft.com/office/drawing/2014/main" xmlns="" val="10004"/>
+                    <a16:rowId xmlns="" xmlns:a16="http://schemas.microsoft.com/office/drawing/2014/main" val="10004"/>
                   </a:ext>
                 </a:extLst>
               </a:tr>
@@ -20327,7 +20386,7 @@
                 </a:tc>
                 <a:extLst>
                   <a:ext uri="{0D108BD9-81ED-4DB2-BD59-A6C34878D82A}">
-                    <a16:rowId xmlns:a16="http://schemas.microsoft.com/office/drawing/2014/main" xmlns="" val="10005"/>
+                    <a16:rowId xmlns="" xmlns:a16="http://schemas.microsoft.com/office/drawing/2014/main" val="10005"/>
                   </a:ext>
                 </a:extLst>
               </a:tr>
@@ -20476,7 +20535,7 @@
                 </a:tc>
                 <a:extLst>
                   <a:ext uri="{0D108BD9-81ED-4DB2-BD59-A6C34878D82A}">
-                    <a16:rowId xmlns:a16="http://schemas.microsoft.com/office/drawing/2014/main" xmlns="" val="10006"/>
+                    <a16:rowId xmlns="" xmlns:a16="http://schemas.microsoft.com/office/drawing/2014/main" val="10006"/>
                   </a:ext>
                 </a:extLst>
               </a:tr>
@@ -20607,7 +20666,7 @@
                 </a:tc>
                 <a:extLst>
                   <a:ext uri="{0D108BD9-81ED-4DB2-BD59-A6C34878D82A}">
-                    <a16:rowId xmlns:a16="http://schemas.microsoft.com/office/drawing/2014/main" xmlns="" val="10007"/>
+                    <a16:rowId xmlns="" xmlns:a16="http://schemas.microsoft.com/office/drawing/2014/main" val="10007"/>
                   </a:ext>
                 </a:extLst>
               </a:tr>
@@ -20680,7 +20739,7 @@
           <p:cNvPr id="3" name="Google Shape;175;g7c553259d1_0_81">
             <a:extLst>
               <a:ext uri="{FF2B5EF4-FFF2-40B4-BE49-F238E27FC236}">
-                <a16:creationId xmlns:a16="http://schemas.microsoft.com/office/drawing/2014/main" xmlns="" id="{5233C2A4-8E74-4C04-B60D-9830C0368ED1}"/>
+                <a16:creationId xmlns="" xmlns:a16="http://schemas.microsoft.com/office/drawing/2014/main" id="{5233C2A4-8E74-4C04-B60D-9830C0368ED1}"/>
               </a:ext>
             </a:extLst>
           </p:cNvPr>
@@ -20871,7 +20930,7 @@
           <p:cNvPr id="24" name="직선 화살표 연결선 23">
             <a:extLst>
               <a:ext uri="{FF2B5EF4-FFF2-40B4-BE49-F238E27FC236}">
-                <a16:creationId xmlns:a16="http://schemas.microsoft.com/office/drawing/2014/main" xmlns="" id="{B5835ADD-7D32-474C-A3BF-3A3CCD28E21A}"/>
+                <a16:creationId xmlns="" xmlns:a16="http://schemas.microsoft.com/office/drawing/2014/main" id="{B5835ADD-7D32-474C-A3BF-3A3CCD28E21A}"/>
               </a:ext>
             </a:extLst>
           </p:cNvPr>
@@ -20914,7 +20973,7 @@
           <p:cNvPr id="25" name="Google Shape;176;g7c553259d1_0_81">
             <a:extLst>
               <a:ext uri="{FF2B5EF4-FFF2-40B4-BE49-F238E27FC236}">
-                <a16:creationId xmlns:a16="http://schemas.microsoft.com/office/drawing/2014/main" xmlns="" id="{DCC01A34-2B47-48F3-BA00-F7016982BDF9}"/>
+                <a16:creationId xmlns="" xmlns:a16="http://schemas.microsoft.com/office/drawing/2014/main" id="{DCC01A34-2B47-48F3-BA00-F7016982BDF9}"/>
               </a:ext>
             </a:extLst>
           </p:cNvPr>
@@ -21038,7 +21097,7 @@
           <p:cNvPr id="27" name="Google Shape;176;g7c553259d1_0_81">
             <a:extLst>
               <a:ext uri="{FF2B5EF4-FFF2-40B4-BE49-F238E27FC236}">
-                <a16:creationId xmlns:a16="http://schemas.microsoft.com/office/drawing/2014/main" xmlns="" id="{B30BE16B-8D65-4384-B0DA-A50D09A577B8}"/>
+                <a16:creationId xmlns="" xmlns:a16="http://schemas.microsoft.com/office/drawing/2014/main" id="{B30BE16B-8D65-4384-B0DA-A50D09A577B8}"/>
               </a:ext>
             </a:extLst>
           </p:cNvPr>
@@ -21115,7 +21174,7 @@
           <p:cNvPr id="28" name="Google Shape;176;g7c553259d1_0_81">
             <a:extLst>
               <a:ext uri="{FF2B5EF4-FFF2-40B4-BE49-F238E27FC236}">
-                <a16:creationId xmlns:a16="http://schemas.microsoft.com/office/drawing/2014/main" xmlns="" id="{700B75C6-9A07-40F2-AB91-29E7A8F8E421}"/>
+                <a16:creationId xmlns="" xmlns:a16="http://schemas.microsoft.com/office/drawing/2014/main" id="{700B75C6-9A07-40F2-AB91-29E7A8F8E421}"/>
               </a:ext>
             </a:extLst>
           </p:cNvPr>
@@ -21191,7 +21250,7 @@
           <p:cNvPr id="29" name="Google Shape;176;g7c553259d1_0_81">
             <a:extLst>
               <a:ext uri="{FF2B5EF4-FFF2-40B4-BE49-F238E27FC236}">
-                <a16:creationId xmlns:a16="http://schemas.microsoft.com/office/drawing/2014/main" xmlns="" id="{DD89504F-3007-448C-A6FE-19B35B2D37DF}"/>
+                <a16:creationId xmlns="" xmlns:a16="http://schemas.microsoft.com/office/drawing/2014/main" id="{DD89504F-3007-448C-A6FE-19B35B2D37DF}"/>
               </a:ext>
             </a:extLst>
           </p:cNvPr>
@@ -21257,7 +21316,7 @@
           <p:cNvPr id="30" name="Google Shape;176;g7c553259d1_0_81">
             <a:extLst>
               <a:ext uri="{FF2B5EF4-FFF2-40B4-BE49-F238E27FC236}">
-                <a16:creationId xmlns:a16="http://schemas.microsoft.com/office/drawing/2014/main" xmlns="" id="{1678392C-86C9-4C7B-8253-883D70B64401}"/>
+                <a16:creationId xmlns="" xmlns:a16="http://schemas.microsoft.com/office/drawing/2014/main" id="{1678392C-86C9-4C7B-8253-883D70B64401}"/>
               </a:ext>
             </a:extLst>
           </p:cNvPr>
@@ -21356,7 +21415,7 @@
           <p:cNvPr id="31" name="Google Shape;176;g7c553259d1_0_81">
             <a:extLst>
               <a:ext uri="{FF2B5EF4-FFF2-40B4-BE49-F238E27FC236}">
-                <a16:creationId xmlns:a16="http://schemas.microsoft.com/office/drawing/2014/main" xmlns="" id="{CE6D0F43-8CE7-4454-9E3B-7AA022C3B35D}"/>
+                <a16:creationId xmlns="" xmlns:a16="http://schemas.microsoft.com/office/drawing/2014/main" id="{CE6D0F43-8CE7-4454-9E3B-7AA022C3B35D}"/>
               </a:ext>
             </a:extLst>
           </p:cNvPr>
@@ -21422,7 +21481,7 @@
           <p:cNvPr id="32" name="Google Shape;176;g7c553259d1_0_81">
             <a:extLst>
               <a:ext uri="{FF2B5EF4-FFF2-40B4-BE49-F238E27FC236}">
-                <a16:creationId xmlns:a16="http://schemas.microsoft.com/office/drawing/2014/main" xmlns="" id="{8B9D43A3-D080-4785-B76B-4DD9477341D6}"/>
+                <a16:creationId xmlns="" xmlns:a16="http://schemas.microsoft.com/office/drawing/2014/main" id="{8B9D43A3-D080-4785-B76B-4DD9477341D6}"/>
               </a:ext>
             </a:extLst>
           </p:cNvPr>
@@ -21488,7 +21547,7 @@
           <p:cNvPr id="34" name="Google Shape;175;g7c553259d1_0_81">
             <a:extLst>
               <a:ext uri="{FF2B5EF4-FFF2-40B4-BE49-F238E27FC236}">
-                <a16:creationId xmlns:a16="http://schemas.microsoft.com/office/drawing/2014/main" xmlns="" id="{5233C2A4-8E74-4C04-B60D-9830C0368ED1}"/>
+                <a16:creationId xmlns="" xmlns:a16="http://schemas.microsoft.com/office/drawing/2014/main" id="{5233C2A4-8E74-4C04-B60D-9830C0368ED1}"/>
               </a:ext>
             </a:extLst>
           </p:cNvPr>
@@ -21554,7 +21613,7 @@
           <p:cNvPr id="35" name="Google Shape;176;g7c553259d1_0_81">
             <a:extLst>
               <a:ext uri="{FF2B5EF4-FFF2-40B4-BE49-F238E27FC236}">
-                <a16:creationId xmlns:a16="http://schemas.microsoft.com/office/drawing/2014/main" xmlns="" id="{AD2C95EC-582D-4DE5-A38F-F4D321E2655F}"/>
+                <a16:creationId xmlns="" xmlns:a16="http://schemas.microsoft.com/office/drawing/2014/main" id="{AD2C95EC-582D-4DE5-A38F-F4D321E2655F}"/>
               </a:ext>
             </a:extLst>
           </p:cNvPr>
@@ -21648,7 +21707,7 @@
           <p:cNvPr id="36" name="Google Shape;176;g7c553259d1_0_81">
             <a:extLst>
               <a:ext uri="{FF2B5EF4-FFF2-40B4-BE49-F238E27FC236}">
-                <a16:creationId xmlns:a16="http://schemas.microsoft.com/office/drawing/2014/main" xmlns="" id="{AD2C95EC-582D-4DE5-A38F-F4D321E2655F}"/>
+                <a16:creationId xmlns="" xmlns:a16="http://schemas.microsoft.com/office/drawing/2014/main" id="{AD2C95EC-582D-4DE5-A38F-F4D321E2655F}"/>
               </a:ext>
             </a:extLst>
           </p:cNvPr>
@@ -21742,7 +21801,7 @@
           <p:cNvPr id="37" name="Google Shape;176;g7c553259d1_0_81">
             <a:extLst>
               <a:ext uri="{FF2B5EF4-FFF2-40B4-BE49-F238E27FC236}">
-                <a16:creationId xmlns:a16="http://schemas.microsoft.com/office/drawing/2014/main" xmlns="" id="{F899F5BB-2CA2-49B1-8BC6-DD4D5BBC5954}"/>
+                <a16:creationId xmlns="" xmlns:a16="http://schemas.microsoft.com/office/drawing/2014/main" id="{F899F5BB-2CA2-49B1-8BC6-DD4D5BBC5954}"/>
               </a:ext>
             </a:extLst>
           </p:cNvPr>
@@ -21808,7 +21867,7 @@
           <p:cNvPr id="38" name="Google Shape;176;g7c553259d1_0_81">
             <a:extLst>
               <a:ext uri="{FF2B5EF4-FFF2-40B4-BE49-F238E27FC236}">
-                <a16:creationId xmlns:a16="http://schemas.microsoft.com/office/drawing/2014/main" xmlns="" id="{67F6FB9B-C1D8-4622-99B3-F40F5ECC13C5}"/>
+                <a16:creationId xmlns="" xmlns:a16="http://schemas.microsoft.com/office/drawing/2014/main" id="{67F6FB9B-C1D8-4622-99B3-F40F5ECC13C5}"/>
               </a:ext>
             </a:extLst>
           </p:cNvPr>
@@ -21906,7 +21965,7 @@
           <p:cNvPr id="39" name="Google Shape;176;g7c553259d1_0_81">
             <a:extLst>
               <a:ext uri="{FF2B5EF4-FFF2-40B4-BE49-F238E27FC236}">
-                <a16:creationId xmlns:a16="http://schemas.microsoft.com/office/drawing/2014/main" xmlns="" id="{AD2C95EC-582D-4DE5-A38F-F4D321E2655F}"/>
+                <a16:creationId xmlns="" xmlns:a16="http://schemas.microsoft.com/office/drawing/2014/main" id="{AD2C95EC-582D-4DE5-A38F-F4D321E2655F}"/>
               </a:ext>
             </a:extLst>
           </p:cNvPr>
@@ -21982,7 +22041,7 @@
           <p:cNvPr id="40" name="Google Shape;176;g7c553259d1_0_81">
             <a:extLst>
               <a:ext uri="{FF2B5EF4-FFF2-40B4-BE49-F238E27FC236}">
-                <a16:creationId xmlns:a16="http://schemas.microsoft.com/office/drawing/2014/main" xmlns="" id="{CBA66B1C-BC87-4F39-A0EF-904FBF90FC1E}"/>
+                <a16:creationId xmlns="" xmlns:a16="http://schemas.microsoft.com/office/drawing/2014/main" id="{CBA66B1C-BC87-4F39-A0EF-904FBF90FC1E}"/>
               </a:ext>
             </a:extLst>
           </p:cNvPr>
@@ -22186,7 +22245,7 @@
           <p:cNvPr id="41" name="Google Shape;176;g7c553259d1_0_81">
             <a:extLst>
               <a:ext uri="{FF2B5EF4-FFF2-40B4-BE49-F238E27FC236}">
-                <a16:creationId xmlns:a16="http://schemas.microsoft.com/office/drawing/2014/main" xmlns="" id="{CA7B6956-F91B-4FA3-9BDE-FB9F73D25A79}"/>
+                <a16:creationId xmlns="" xmlns:a16="http://schemas.microsoft.com/office/drawing/2014/main" id="{CA7B6956-F91B-4FA3-9BDE-FB9F73D25A79}"/>
               </a:ext>
             </a:extLst>
           </p:cNvPr>
@@ -22846,14 +22905,14 @@
                 <a:gridCol w="1443550">
                   <a:extLst>
                     <a:ext uri="{9D8B030D-6E8A-4147-A177-3AD203B41FA5}">
-                      <a16:colId xmlns:a16="http://schemas.microsoft.com/office/drawing/2014/main" xmlns="" val="20000"/>
+                      <a16:colId xmlns="" xmlns:a16="http://schemas.microsoft.com/office/drawing/2014/main" val="20000"/>
                     </a:ext>
                   </a:extLst>
                 </a:gridCol>
                 <a:gridCol w="2680550">
                   <a:extLst>
                     <a:ext uri="{9D8B030D-6E8A-4147-A177-3AD203B41FA5}">
-                      <a16:colId xmlns:a16="http://schemas.microsoft.com/office/drawing/2014/main" xmlns="" val="20001"/>
+                      <a16:colId xmlns="" xmlns:a16="http://schemas.microsoft.com/office/drawing/2014/main" val="20001"/>
                     </a:ext>
                   </a:extLst>
                 </a:gridCol>
@@ -23019,7 +23078,7 @@
                 </a:tc>
                 <a:extLst>
                   <a:ext uri="{0D108BD9-81ED-4DB2-BD59-A6C34878D82A}">
-                    <a16:rowId xmlns:a16="http://schemas.microsoft.com/office/drawing/2014/main" xmlns="" val="10000"/>
+                    <a16:rowId xmlns="" xmlns:a16="http://schemas.microsoft.com/office/drawing/2014/main" val="10000"/>
                   </a:ext>
                 </a:extLst>
               </a:tr>
@@ -23192,7 +23251,7 @@
                 </a:tc>
                 <a:extLst>
                   <a:ext uri="{0D108BD9-81ED-4DB2-BD59-A6C34878D82A}">
-                    <a16:rowId xmlns:a16="http://schemas.microsoft.com/office/drawing/2014/main" xmlns="" val="10001"/>
+                    <a16:rowId xmlns="" xmlns:a16="http://schemas.microsoft.com/office/drawing/2014/main" val="10001"/>
                   </a:ext>
                 </a:extLst>
               </a:tr>
@@ -23301,7 +23360,7 @@
                 </a:tc>
                 <a:extLst>
                   <a:ext uri="{0D108BD9-81ED-4DB2-BD59-A6C34878D82A}">
-                    <a16:rowId xmlns:a16="http://schemas.microsoft.com/office/drawing/2014/main" xmlns="" val="10002"/>
+                    <a16:rowId xmlns="" xmlns:a16="http://schemas.microsoft.com/office/drawing/2014/main" val="10002"/>
                   </a:ext>
                 </a:extLst>
               </a:tr>
@@ -23329,14 +23388,14 @@
                 <a:gridCol w="1407750">
                   <a:extLst>
                     <a:ext uri="{9D8B030D-6E8A-4147-A177-3AD203B41FA5}">
-                      <a16:colId xmlns:a16="http://schemas.microsoft.com/office/drawing/2014/main" xmlns="" val="20000"/>
+                      <a16:colId xmlns="" xmlns:a16="http://schemas.microsoft.com/office/drawing/2014/main" val="20000"/>
                     </a:ext>
                   </a:extLst>
                 </a:gridCol>
                 <a:gridCol w="1407750">
                   <a:extLst>
                     <a:ext uri="{9D8B030D-6E8A-4147-A177-3AD203B41FA5}">
-                      <a16:colId xmlns:a16="http://schemas.microsoft.com/office/drawing/2014/main" xmlns="" val="20001"/>
+                      <a16:colId xmlns="" xmlns:a16="http://schemas.microsoft.com/office/drawing/2014/main" val="20001"/>
                     </a:ext>
                   </a:extLst>
                 </a:gridCol>
@@ -23494,7 +23553,7 @@
                 </a:tc>
                 <a:extLst>
                   <a:ext uri="{0D108BD9-81ED-4DB2-BD59-A6C34878D82A}">
-                    <a16:rowId xmlns:a16="http://schemas.microsoft.com/office/drawing/2014/main" xmlns="" val="10000"/>
+                    <a16:rowId xmlns="" xmlns:a16="http://schemas.microsoft.com/office/drawing/2014/main" val="10000"/>
                   </a:ext>
                 </a:extLst>
               </a:tr>
@@ -23522,14 +23581,14 @@
                 <a:gridCol w="1407750">
                   <a:extLst>
                     <a:ext uri="{9D8B030D-6E8A-4147-A177-3AD203B41FA5}">
-                      <a16:colId xmlns:a16="http://schemas.microsoft.com/office/drawing/2014/main" xmlns="" val="20000"/>
+                      <a16:colId xmlns="" xmlns:a16="http://schemas.microsoft.com/office/drawing/2014/main" val="20000"/>
                     </a:ext>
                   </a:extLst>
                 </a:gridCol>
                 <a:gridCol w="1407750">
                   <a:extLst>
                     <a:ext uri="{9D8B030D-6E8A-4147-A177-3AD203B41FA5}">
-                      <a16:colId xmlns:a16="http://schemas.microsoft.com/office/drawing/2014/main" xmlns="" val="20001"/>
+                      <a16:colId xmlns="" xmlns:a16="http://schemas.microsoft.com/office/drawing/2014/main" val="20001"/>
                     </a:ext>
                   </a:extLst>
                 </a:gridCol>
@@ -23687,7 +23746,7 @@
                 </a:tc>
                 <a:extLst>
                   <a:ext uri="{0D108BD9-81ED-4DB2-BD59-A6C34878D82A}">
-                    <a16:rowId xmlns:a16="http://schemas.microsoft.com/office/drawing/2014/main" xmlns="" val="10000"/>
+                    <a16:rowId xmlns="" xmlns:a16="http://schemas.microsoft.com/office/drawing/2014/main" val="10000"/>
                   </a:ext>
                 </a:extLst>
               </a:tr>
@@ -23721,14 +23780,14 @@
                 <a:gridCol w="382900">
                   <a:extLst>
                     <a:ext uri="{9D8B030D-6E8A-4147-A177-3AD203B41FA5}">
-                      <a16:colId xmlns:a16="http://schemas.microsoft.com/office/drawing/2014/main" xmlns="" val="20000"/>
+                      <a16:colId xmlns="" xmlns:a16="http://schemas.microsoft.com/office/drawing/2014/main" val="20000"/>
                     </a:ext>
                   </a:extLst>
                 </a:gridCol>
                 <a:gridCol w="3149100">
                   <a:extLst>
                     <a:ext uri="{9D8B030D-6E8A-4147-A177-3AD203B41FA5}">
-                      <a16:colId xmlns:a16="http://schemas.microsoft.com/office/drawing/2014/main" xmlns="" val="20001"/>
+                      <a16:colId xmlns="" xmlns:a16="http://schemas.microsoft.com/office/drawing/2014/main" val="20001"/>
                     </a:ext>
                   </a:extLst>
                 </a:gridCol>
@@ -23886,7 +23945,7 @@
                 </a:tc>
                 <a:extLst>
                   <a:ext uri="{0D108BD9-81ED-4DB2-BD59-A6C34878D82A}">
-                    <a16:rowId xmlns:a16="http://schemas.microsoft.com/office/drawing/2014/main" xmlns="" val="10000"/>
+                    <a16:rowId xmlns="" xmlns:a16="http://schemas.microsoft.com/office/drawing/2014/main" val="10000"/>
                   </a:ext>
                 </a:extLst>
               </a:tr>
@@ -24043,7 +24102,7 @@
                 </a:tc>
                 <a:extLst>
                   <a:ext uri="{0D108BD9-81ED-4DB2-BD59-A6C34878D82A}">
-                    <a16:rowId xmlns:a16="http://schemas.microsoft.com/office/drawing/2014/main" xmlns="" val="10001"/>
+                    <a16:rowId xmlns="" xmlns:a16="http://schemas.microsoft.com/office/drawing/2014/main" val="10001"/>
                   </a:ext>
                 </a:extLst>
               </a:tr>
@@ -24219,7 +24278,7 @@
                 </a:tc>
                 <a:extLst>
                   <a:ext uri="{0D108BD9-81ED-4DB2-BD59-A6C34878D82A}">
-                    <a16:rowId xmlns:a16="http://schemas.microsoft.com/office/drawing/2014/main" xmlns="" val="10002"/>
+                    <a16:rowId xmlns="" xmlns:a16="http://schemas.microsoft.com/office/drawing/2014/main" val="10002"/>
                   </a:ext>
                 </a:extLst>
               </a:tr>
@@ -24384,7 +24443,7 @@
                 </a:tc>
                 <a:extLst>
                   <a:ext uri="{0D108BD9-81ED-4DB2-BD59-A6C34878D82A}">
-                    <a16:rowId xmlns:a16="http://schemas.microsoft.com/office/drawing/2014/main" xmlns="" val="10003"/>
+                    <a16:rowId xmlns="" xmlns:a16="http://schemas.microsoft.com/office/drawing/2014/main" val="10003"/>
                   </a:ext>
                 </a:extLst>
               </a:tr>
@@ -24557,7 +24616,7 @@
                 </a:tc>
                 <a:extLst>
                   <a:ext uri="{0D108BD9-81ED-4DB2-BD59-A6C34878D82A}">
-                    <a16:rowId xmlns:a16="http://schemas.microsoft.com/office/drawing/2014/main" xmlns="" val="10004"/>
+                    <a16:rowId xmlns="" xmlns:a16="http://schemas.microsoft.com/office/drawing/2014/main" val="10004"/>
                   </a:ext>
                 </a:extLst>
               </a:tr>
@@ -24722,7 +24781,7 @@
                 </a:tc>
                 <a:extLst>
                   <a:ext uri="{0D108BD9-81ED-4DB2-BD59-A6C34878D82A}">
-                    <a16:rowId xmlns:a16="http://schemas.microsoft.com/office/drawing/2014/main" xmlns="" val="10005"/>
+                    <a16:rowId xmlns="" xmlns:a16="http://schemas.microsoft.com/office/drawing/2014/main" val="10005"/>
                   </a:ext>
                 </a:extLst>
               </a:tr>
@@ -24861,7 +24920,7 @@
                 </a:tc>
                 <a:extLst>
                   <a:ext uri="{0D108BD9-81ED-4DB2-BD59-A6C34878D82A}">
-                    <a16:rowId xmlns:a16="http://schemas.microsoft.com/office/drawing/2014/main" xmlns="" val="10006"/>
+                    <a16:rowId xmlns="" xmlns:a16="http://schemas.microsoft.com/office/drawing/2014/main" val="10006"/>
                   </a:ext>
                 </a:extLst>
               </a:tr>
@@ -24992,7 +25051,7 @@
                 </a:tc>
                 <a:extLst>
                   <a:ext uri="{0D108BD9-81ED-4DB2-BD59-A6C34878D82A}">
-                    <a16:rowId xmlns:a16="http://schemas.microsoft.com/office/drawing/2014/main" xmlns="" val="10007"/>
+                    <a16:rowId xmlns="" xmlns:a16="http://schemas.microsoft.com/office/drawing/2014/main" val="10007"/>
                   </a:ext>
                 </a:extLst>
               </a:tr>
@@ -25093,7 +25152,7 @@
               <p:cNvPr id="35" name="Google Shape;175;g7c553259d1_0_81">
                 <a:extLst>
                   <a:ext uri="{FF2B5EF4-FFF2-40B4-BE49-F238E27FC236}">
-                    <a16:creationId xmlns:a16="http://schemas.microsoft.com/office/drawing/2014/main" xmlns="" id="{5233C2A4-8E74-4C04-B60D-9830C0368ED1}"/>
+                    <a16:creationId xmlns="" xmlns:a16="http://schemas.microsoft.com/office/drawing/2014/main" id="{5233C2A4-8E74-4C04-B60D-9830C0368ED1}"/>
                   </a:ext>
                 </a:extLst>
               </p:cNvPr>
@@ -25159,7 +25218,7 @@
               <p:cNvPr id="36" name="Google Shape;176;g7c553259d1_0_81">
                 <a:extLst>
                   <a:ext uri="{FF2B5EF4-FFF2-40B4-BE49-F238E27FC236}">
-                    <a16:creationId xmlns:a16="http://schemas.microsoft.com/office/drawing/2014/main" xmlns="" id="{29FE8594-EA7A-4B62-B46A-D4F6BAC1C327}"/>
+                    <a16:creationId xmlns="" xmlns:a16="http://schemas.microsoft.com/office/drawing/2014/main" id="{29FE8594-EA7A-4B62-B46A-D4F6BAC1C327}"/>
                   </a:ext>
                 </a:extLst>
               </p:cNvPr>
@@ -25363,7 +25422,7 @@
               <p:cNvPr id="37" name="Google Shape;176;g7c553259d1_0_81">
                 <a:extLst>
                   <a:ext uri="{FF2B5EF4-FFF2-40B4-BE49-F238E27FC236}">
-                    <a16:creationId xmlns:a16="http://schemas.microsoft.com/office/drawing/2014/main" xmlns="" id="{0878846A-8BAA-43A0-91D2-982A7B03E937}"/>
+                    <a16:creationId xmlns="" xmlns:a16="http://schemas.microsoft.com/office/drawing/2014/main" id="{0878846A-8BAA-43A0-91D2-982A7B03E937}"/>
                   </a:ext>
                 </a:extLst>
               </p:cNvPr>
@@ -25523,7 +25582,7 @@
               <p:cNvPr id="38" name="Google Shape;176;g7c553259d1_0_81">
                 <a:extLst>
                   <a:ext uri="{FF2B5EF4-FFF2-40B4-BE49-F238E27FC236}">
-                    <a16:creationId xmlns:a16="http://schemas.microsoft.com/office/drawing/2014/main" xmlns="" id="{0878846A-8BAA-43A0-91D2-982A7B03E937}"/>
+                    <a16:creationId xmlns="" xmlns:a16="http://schemas.microsoft.com/office/drawing/2014/main" id="{0878846A-8BAA-43A0-91D2-982A7B03E937}"/>
                   </a:ext>
                 </a:extLst>
               </p:cNvPr>
@@ -25722,7 +25781,7 @@
               <p:cNvPr id="40" name="Google Shape;176;g7c553259d1_0_81">
                 <a:extLst>
                   <a:ext uri="{FF2B5EF4-FFF2-40B4-BE49-F238E27FC236}">
-                    <a16:creationId xmlns:a16="http://schemas.microsoft.com/office/drawing/2014/main" xmlns="" id="{0878846A-8BAA-43A0-91D2-982A7B03E937}"/>
+                    <a16:creationId xmlns="" xmlns:a16="http://schemas.microsoft.com/office/drawing/2014/main" id="{0878846A-8BAA-43A0-91D2-982A7B03E937}"/>
                   </a:ext>
                 </a:extLst>
               </p:cNvPr>
@@ -25883,7 +25942,7 @@
               <p:cNvPr id="41" name="Google Shape;176;g7c553259d1_0_81">
                 <a:extLst>
                   <a:ext uri="{FF2B5EF4-FFF2-40B4-BE49-F238E27FC236}">
-                    <a16:creationId xmlns:a16="http://schemas.microsoft.com/office/drawing/2014/main" xmlns="" id="{0878846A-8BAA-43A0-91D2-982A7B03E937}"/>
+                    <a16:creationId xmlns="" xmlns:a16="http://schemas.microsoft.com/office/drawing/2014/main" id="{0878846A-8BAA-43A0-91D2-982A7B03E937}"/>
                   </a:ext>
                 </a:extLst>
               </p:cNvPr>
@@ -26056,7 +26115,7 @@
               <p:cNvPr id="47" name="Google Shape;176;g7c553259d1_0_81">
                 <a:extLst>
                   <a:ext uri="{FF2B5EF4-FFF2-40B4-BE49-F238E27FC236}">
-                    <a16:creationId xmlns:a16="http://schemas.microsoft.com/office/drawing/2014/main" xmlns="" id="{0878846A-8BAA-43A0-91D2-982A7B03E937}"/>
+                    <a16:creationId xmlns="" xmlns:a16="http://schemas.microsoft.com/office/drawing/2014/main" id="{0878846A-8BAA-43A0-91D2-982A7B03E937}"/>
                   </a:ext>
                 </a:extLst>
               </p:cNvPr>
@@ -26205,7 +26264,7 @@
               <p:cNvPr id="48" name="Google Shape;176;g7c553259d1_0_81">
                 <a:extLst>
                   <a:ext uri="{FF2B5EF4-FFF2-40B4-BE49-F238E27FC236}">
-                    <a16:creationId xmlns:a16="http://schemas.microsoft.com/office/drawing/2014/main" xmlns="" id="{0878846A-8BAA-43A0-91D2-982A7B03E937}"/>
+                    <a16:creationId xmlns="" xmlns:a16="http://schemas.microsoft.com/office/drawing/2014/main" id="{0878846A-8BAA-43A0-91D2-982A7B03E937}"/>
                   </a:ext>
                 </a:extLst>
               </p:cNvPr>
@@ -26354,7 +26413,7 @@
               <p:cNvPr id="49" name="Google Shape;176;g7c553259d1_0_81">
                 <a:extLst>
                   <a:ext uri="{FF2B5EF4-FFF2-40B4-BE49-F238E27FC236}">
-                    <a16:creationId xmlns:a16="http://schemas.microsoft.com/office/drawing/2014/main" xmlns="" id="{0878846A-8BAA-43A0-91D2-982A7B03E937}"/>
+                    <a16:creationId xmlns="" xmlns:a16="http://schemas.microsoft.com/office/drawing/2014/main" id="{0878846A-8BAA-43A0-91D2-982A7B03E937}"/>
                   </a:ext>
                 </a:extLst>
               </p:cNvPr>
@@ -26613,7 +26672,7 @@
               <p:cNvPr id="51" name="Google Shape;176;g7c553259d1_0_81">
                 <a:extLst>
                   <a:ext uri="{FF2B5EF4-FFF2-40B4-BE49-F238E27FC236}">
-                    <a16:creationId xmlns:a16="http://schemas.microsoft.com/office/drawing/2014/main" xmlns="" id="{0878846A-8BAA-43A0-91D2-982A7B03E937}"/>
+                    <a16:creationId xmlns="" xmlns:a16="http://schemas.microsoft.com/office/drawing/2014/main" id="{0878846A-8BAA-43A0-91D2-982A7B03E937}"/>
                   </a:ext>
                 </a:extLst>
               </p:cNvPr>
@@ -27793,7 +27852,7 @@
   <a:extraClrSchemeLst/>
   <a:extLst>
     <a:ext uri="{05A4C25C-085E-4340-85A3-A5531E510DB2}">
-      <thm15:themeFamily xmlns="" xmlns:thm15="http://schemas.microsoft.com/office/thememl/2012/main" name="Office Theme" id="{62F939B6-93AF-4DB8-9C6B-D6C7DFDC589F}" vid="{4A3C46E8-61CC-4603-A589-7422A47A8E4A}"/>
+      <thm15:themeFamily xmlns:thm15="http://schemas.microsoft.com/office/thememl/2012/main" xmlns="" name="Office Theme" id="{62F939B6-93AF-4DB8-9C6B-D6C7DFDC589F}" vid="{4A3C46E8-61CC-4603-A589-7422A47A8E4A}"/>
     </a:ext>
   </a:extLst>
 </a:theme>
@@ -28054,7 +28113,7 @@
   <a:extraClrSchemeLst/>
   <a:extLst>
     <a:ext uri="{05A4C25C-085E-4340-85A3-A5531E510DB2}">
-      <thm15:themeFamily xmlns="" xmlns:thm15="http://schemas.microsoft.com/office/thememl/2012/main" name="Office Theme" id="{62F939B6-93AF-4DB8-9C6B-D6C7DFDC589F}" vid="{4A3C46E8-61CC-4603-A589-7422A47A8E4A}"/>
+      <thm15:themeFamily xmlns:thm15="http://schemas.microsoft.com/office/thememl/2012/main" xmlns="" name="Office Theme" id="{62F939B6-93AF-4DB8-9C6B-D6C7DFDC589F}" vid="{4A3C46E8-61CC-4603-A589-7422A47A8E4A}"/>
     </a:ext>
   </a:extLst>
 </a:theme>
